--- a/hive.pptx
+++ b/hive.pptx
@@ -115,6 +115,11 @@
       </a:defRPr>
     </a:lvl9pPr>
   </p:defaultTextStyle>
+  <p:extLst>
+    <p:ext uri="{EFAFB233-063F-42B5-8137-9DF3F51BA10A}">
+      <p15:sldGuideLst xmlns:p15="http://schemas.microsoft.com/office/powerpoint/2012/main"/>
+    </p:ext>
+  </p:extLst>
 </p:presentation>
 </file>
 
@@ -265,7 +270,7 @@
           <a:p>
             <a:fld id="{09D3105B-3BB3-4DF0-B896-E1E0A5859241}" type="datetimeFigureOut">
               <a:rPr lang="en-US" smtClean="0"/>
-              <a:t>4/17/2022</a:t>
+              <a:t>4/18/2022</a:t>
             </a:fld>
             <a:endParaRPr lang="en-US"/>
           </a:p>
@@ -463,7 +468,7 @@
           <a:p>
             <a:fld id="{09D3105B-3BB3-4DF0-B896-E1E0A5859241}" type="datetimeFigureOut">
               <a:rPr lang="en-US" smtClean="0"/>
-              <a:t>4/17/2022</a:t>
+              <a:t>4/18/2022</a:t>
             </a:fld>
             <a:endParaRPr lang="en-US"/>
           </a:p>
@@ -671,7 +676,7 @@
           <a:p>
             <a:fld id="{09D3105B-3BB3-4DF0-B896-E1E0A5859241}" type="datetimeFigureOut">
               <a:rPr lang="en-US" smtClean="0"/>
-              <a:t>4/17/2022</a:t>
+              <a:t>4/18/2022</a:t>
             </a:fld>
             <a:endParaRPr lang="en-US"/>
           </a:p>
@@ -869,7 +874,7 @@
           <a:p>
             <a:fld id="{09D3105B-3BB3-4DF0-B896-E1E0A5859241}" type="datetimeFigureOut">
               <a:rPr lang="en-US" smtClean="0"/>
-              <a:t>4/17/2022</a:t>
+              <a:t>4/18/2022</a:t>
             </a:fld>
             <a:endParaRPr lang="en-US"/>
           </a:p>
@@ -1144,7 +1149,7 @@
           <a:p>
             <a:fld id="{09D3105B-3BB3-4DF0-B896-E1E0A5859241}" type="datetimeFigureOut">
               <a:rPr lang="en-US" smtClean="0"/>
-              <a:t>4/17/2022</a:t>
+              <a:t>4/18/2022</a:t>
             </a:fld>
             <a:endParaRPr lang="en-US"/>
           </a:p>
@@ -1409,7 +1414,7 @@
           <a:p>
             <a:fld id="{09D3105B-3BB3-4DF0-B896-E1E0A5859241}" type="datetimeFigureOut">
               <a:rPr lang="en-US" smtClean="0"/>
-              <a:t>4/17/2022</a:t>
+              <a:t>4/18/2022</a:t>
             </a:fld>
             <a:endParaRPr lang="en-US"/>
           </a:p>
@@ -1821,7 +1826,7 @@
           <a:p>
             <a:fld id="{09D3105B-3BB3-4DF0-B896-E1E0A5859241}" type="datetimeFigureOut">
               <a:rPr lang="en-US" smtClean="0"/>
-              <a:t>4/17/2022</a:t>
+              <a:t>4/18/2022</a:t>
             </a:fld>
             <a:endParaRPr lang="en-US"/>
           </a:p>
@@ -1962,7 +1967,7 @@
           <a:p>
             <a:fld id="{09D3105B-3BB3-4DF0-B896-E1E0A5859241}" type="datetimeFigureOut">
               <a:rPr lang="en-US" smtClean="0"/>
-              <a:t>4/17/2022</a:t>
+              <a:t>4/18/2022</a:t>
             </a:fld>
             <a:endParaRPr lang="en-US"/>
           </a:p>
@@ -2075,7 +2080,7 @@
           <a:p>
             <a:fld id="{09D3105B-3BB3-4DF0-B896-E1E0A5859241}" type="datetimeFigureOut">
               <a:rPr lang="en-US" smtClean="0"/>
-              <a:t>4/17/2022</a:t>
+              <a:t>4/18/2022</a:t>
             </a:fld>
             <a:endParaRPr lang="en-US"/>
           </a:p>
@@ -2386,7 +2391,7 @@
           <a:p>
             <a:fld id="{09D3105B-3BB3-4DF0-B896-E1E0A5859241}" type="datetimeFigureOut">
               <a:rPr lang="en-US" smtClean="0"/>
-              <a:t>4/17/2022</a:t>
+              <a:t>4/18/2022</a:t>
             </a:fld>
             <a:endParaRPr lang="en-US"/>
           </a:p>
@@ -2674,7 +2679,7 @@
           <a:p>
             <a:fld id="{09D3105B-3BB3-4DF0-B896-E1E0A5859241}" type="datetimeFigureOut">
               <a:rPr lang="en-US" smtClean="0"/>
-              <a:t>4/17/2022</a:t>
+              <a:t>4/18/2022</a:t>
             </a:fld>
             <a:endParaRPr lang="en-US"/>
           </a:p>
@@ -2915,7 +2920,7 @@
           <a:p>
             <a:fld id="{09D3105B-3BB3-4DF0-B896-E1E0A5859241}" type="datetimeFigureOut">
               <a:rPr lang="en-US" smtClean="0"/>
-              <a:t>4/17/2022</a:t>
+              <a:t>4/18/2022</a:t>
             </a:fld>
             <a:endParaRPr lang="en-US"/>
           </a:p>
@@ -8707,7 +8712,7 @@
         </p:nvGrpSpPr>
         <p:grpSpPr>
           <a:xfrm>
-            <a:off x="778881" y="1128512"/>
+            <a:off x="778881" y="1257721"/>
             <a:ext cx="10634238" cy="4600976"/>
             <a:chOff x="1286151" y="825756"/>
             <a:chExt cx="10634238" cy="4600976"/>
@@ -10458,6 +10463,78 @@
           </p:txBody>
         </p:sp>
       </p:grpSp>
+      <p:sp>
+        <p:nvSpPr>
+          <p:cNvPr id="47" name="TextBox 46">
+            <a:extLst>
+              <a:ext uri="{FF2B5EF4-FFF2-40B4-BE49-F238E27FC236}">
+                <a16:creationId xmlns:a16="http://schemas.microsoft.com/office/drawing/2014/main" id="{9F68D3B4-689D-4A02-B62C-BB535A1904D5}"/>
+              </a:ext>
+            </a:extLst>
+          </p:cNvPr>
+          <p:cNvSpPr txBox="1"/>
+          <p:nvPr/>
+        </p:nvSpPr>
+        <p:spPr>
+          <a:xfrm>
+            <a:off x="4395786" y="3747731"/>
+            <a:ext cx="1026234" cy="369332"/>
+          </a:xfrm>
+          <a:prstGeom prst="rect">
+            <a:avLst/>
+          </a:prstGeom>
+          <a:noFill/>
+        </p:spPr>
+        <p:txBody>
+          <a:bodyPr wrap="square" rtlCol="0">
+            <a:spAutoFit/>
+          </a:bodyPr>
+          <a:lstStyle/>
+          <a:p>
+            <a:pPr algn="ctr"/>
+            <a:r>
+              <a:rPr lang="en-US" dirty="0"/>
+              <a:t>wA2</a:t>
+            </a:r>
+          </a:p>
+        </p:txBody>
+      </p:sp>
+      <p:sp>
+        <p:nvSpPr>
+          <p:cNvPr id="48" name="TextBox 47">
+            <a:extLst>
+              <a:ext uri="{FF2B5EF4-FFF2-40B4-BE49-F238E27FC236}">
+                <a16:creationId xmlns:a16="http://schemas.microsoft.com/office/drawing/2014/main" id="{0419C474-E95D-40AD-BC37-2563E8B42809}"/>
+              </a:ext>
+            </a:extLst>
+          </p:cNvPr>
+          <p:cNvSpPr txBox="1"/>
+          <p:nvPr/>
+        </p:nvSpPr>
+        <p:spPr>
+          <a:xfrm>
+            <a:off x="5509001" y="3741301"/>
+            <a:ext cx="1026234" cy="369332"/>
+          </a:xfrm>
+          <a:prstGeom prst="rect">
+            <a:avLst/>
+          </a:prstGeom>
+          <a:noFill/>
+        </p:spPr>
+        <p:txBody>
+          <a:bodyPr wrap="square" rtlCol="0">
+            <a:spAutoFit/>
+          </a:bodyPr>
+          <a:lstStyle/>
+          <a:p>
+            <a:pPr algn="ctr"/>
+            <a:r>
+              <a:rPr lang="en-US" dirty="0"/>
+              <a:t>wA2</a:t>
+            </a:r>
+          </a:p>
+        </p:txBody>
+      </p:sp>
     </p:spTree>
     <p:extLst>
       <p:ext uri="{BB962C8B-B14F-4D97-AF65-F5344CB8AC3E}">

--- a/hive.pptx
+++ b/hive.pptx
@@ -270,7 +270,7 @@
           <a:p>
             <a:fld id="{09D3105B-3BB3-4DF0-B896-E1E0A5859241}" type="datetimeFigureOut">
               <a:rPr lang="en-US" smtClean="0"/>
-              <a:t>4/18/2022</a:t>
+              <a:t>4/20/2022</a:t>
             </a:fld>
             <a:endParaRPr lang="en-US"/>
           </a:p>
@@ -468,7 +468,7 @@
           <a:p>
             <a:fld id="{09D3105B-3BB3-4DF0-B896-E1E0A5859241}" type="datetimeFigureOut">
               <a:rPr lang="en-US" smtClean="0"/>
-              <a:t>4/18/2022</a:t>
+              <a:t>4/20/2022</a:t>
             </a:fld>
             <a:endParaRPr lang="en-US"/>
           </a:p>
@@ -676,7 +676,7 @@
           <a:p>
             <a:fld id="{09D3105B-3BB3-4DF0-B896-E1E0A5859241}" type="datetimeFigureOut">
               <a:rPr lang="en-US" smtClean="0"/>
-              <a:t>4/18/2022</a:t>
+              <a:t>4/20/2022</a:t>
             </a:fld>
             <a:endParaRPr lang="en-US"/>
           </a:p>
@@ -874,7 +874,7 @@
           <a:p>
             <a:fld id="{09D3105B-3BB3-4DF0-B896-E1E0A5859241}" type="datetimeFigureOut">
               <a:rPr lang="en-US" smtClean="0"/>
-              <a:t>4/18/2022</a:t>
+              <a:t>4/20/2022</a:t>
             </a:fld>
             <a:endParaRPr lang="en-US"/>
           </a:p>
@@ -1149,7 +1149,7 @@
           <a:p>
             <a:fld id="{09D3105B-3BB3-4DF0-B896-E1E0A5859241}" type="datetimeFigureOut">
               <a:rPr lang="en-US" smtClean="0"/>
-              <a:t>4/18/2022</a:t>
+              <a:t>4/20/2022</a:t>
             </a:fld>
             <a:endParaRPr lang="en-US"/>
           </a:p>
@@ -1414,7 +1414,7 @@
           <a:p>
             <a:fld id="{09D3105B-3BB3-4DF0-B896-E1E0A5859241}" type="datetimeFigureOut">
               <a:rPr lang="en-US" smtClean="0"/>
-              <a:t>4/18/2022</a:t>
+              <a:t>4/20/2022</a:t>
             </a:fld>
             <a:endParaRPr lang="en-US"/>
           </a:p>
@@ -1826,7 +1826,7 @@
           <a:p>
             <a:fld id="{09D3105B-3BB3-4DF0-B896-E1E0A5859241}" type="datetimeFigureOut">
               <a:rPr lang="en-US" smtClean="0"/>
-              <a:t>4/18/2022</a:t>
+              <a:t>4/20/2022</a:t>
             </a:fld>
             <a:endParaRPr lang="en-US"/>
           </a:p>
@@ -1967,7 +1967,7 @@
           <a:p>
             <a:fld id="{09D3105B-3BB3-4DF0-B896-E1E0A5859241}" type="datetimeFigureOut">
               <a:rPr lang="en-US" smtClean="0"/>
-              <a:t>4/18/2022</a:t>
+              <a:t>4/20/2022</a:t>
             </a:fld>
             <a:endParaRPr lang="en-US"/>
           </a:p>
@@ -2080,7 +2080,7 @@
           <a:p>
             <a:fld id="{09D3105B-3BB3-4DF0-B896-E1E0A5859241}" type="datetimeFigureOut">
               <a:rPr lang="en-US" smtClean="0"/>
-              <a:t>4/18/2022</a:t>
+              <a:t>4/20/2022</a:t>
             </a:fld>
             <a:endParaRPr lang="en-US"/>
           </a:p>
@@ -2391,7 +2391,7 @@
           <a:p>
             <a:fld id="{09D3105B-3BB3-4DF0-B896-E1E0A5859241}" type="datetimeFigureOut">
               <a:rPr lang="en-US" smtClean="0"/>
-              <a:t>4/18/2022</a:t>
+              <a:t>4/20/2022</a:t>
             </a:fld>
             <a:endParaRPr lang="en-US"/>
           </a:p>
@@ -2679,7 +2679,7 @@
           <a:p>
             <a:fld id="{09D3105B-3BB3-4DF0-B896-E1E0A5859241}" type="datetimeFigureOut">
               <a:rPr lang="en-US" smtClean="0"/>
-              <a:t>4/18/2022</a:t>
+              <a:t>4/20/2022</a:t>
             </a:fld>
             <a:endParaRPr lang="en-US"/>
           </a:p>
@@ -2920,7 +2920,7 @@
           <a:p>
             <a:fld id="{09D3105B-3BB3-4DF0-B896-E1E0A5859241}" type="datetimeFigureOut">
               <a:rPr lang="en-US" smtClean="0"/>
-              <a:t>4/18/2022</a:t>
+              <a:t>4/20/2022</a:t>
             </a:fld>
             <a:endParaRPr lang="en-US"/>
           </a:p>
@@ -10579,7 +10579,7 @@
         </p:nvGrpSpPr>
         <p:grpSpPr>
           <a:xfrm>
-            <a:off x="778881" y="1128512"/>
+            <a:off x="778878" y="0"/>
             <a:ext cx="10634238" cy="4600976"/>
             <a:chOff x="1286151" y="825756"/>
             <a:chExt cx="10634238" cy="4600976"/>
@@ -11068,26 +11068,30 @@
           </p:spPr>
           <p:style>
             <a:lnRef idx="2">
-              <a:schemeClr val="accent4">
-                <a:shade val="50000"/>
-              </a:schemeClr>
-            </a:lnRef>
-            <a:fillRef idx="1">
-              <a:schemeClr val="accent4"/>
-            </a:fillRef>
-            <a:effectRef idx="0">
-              <a:schemeClr val="accent4"/>
-            </a:effectRef>
-            <a:fontRef idx="minor">
-              <a:schemeClr val="lt1"/>
-            </a:fontRef>
-          </p:style>
-          <p:txBody>
-            <a:bodyPr rtlCol="0" anchor="ctr"/>
-            <a:lstStyle/>
-            <a:p>
-              <a:pPr algn="ctr"/>
-              <a:endParaRPr lang="en-US" dirty="0"/>
+              <a:schemeClr val="accent2">
+                <a:shade val="50000"/>
+              </a:schemeClr>
+            </a:lnRef>
+            <a:fillRef idx="1">
+              <a:schemeClr val="accent2"/>
+            </a:fillRef>
+            <a:effectRef idx="0">
+              <a:schemeClr val="accent2"/>
+            </a:effectRef>
+            <a:fontRef idx="minor">
+              <a:schemeClr val="lt1"/>
+            </a:fontRef>
+          </p:style>
+          <p:txBody>
+            <a:bodyPr rtlCol="0" anchor="ctr"/>
+            <a:lstStyle/>
+            <a:p>
+              <a:pPr algn="ctr"/>
+              <a:endParaRPr lang="en-US" dirty="0">
+                <a:solidFill>
+                  <a:srgbClr val="FF0000"/>
+                </a:solidFill>
+              </a:endParaRPr>
             </a:p>
           </p:txBody>
         </p:sp>
@@ -11507,10 +11511,56 @@
         </p:sp>
         <p:sp>
           <p:nvSpPr>
-            <p:cNvPr id="25" name="TextBox 24">
-              <a:extLst>
-                <a:ext uri="{FF2B5EF4-FFF2-40B4-BE49-F238E27FC236}">
-                  <a16:creationId xmlns:a16="http://schemas.microsoft.com/office/drawing/2014/main" id="{BE8BAAD4-F1A1-466A-B060-6F2D6B2B5898}"/>
+            <p:cNvPr id="27" name="Hexagon 26">
+              <a:extLst>
+                <a:ext uri="{FF2B5EF4-FFF2-40B4-BE49-F238E27FC236}">
+                  <a16:creationId xmlns:a16="http://schemas.microsoft.com/office/drawing/2014/main" id="{75656F04-88B0-4E1F-BDD5-F5E1CC053862}"/>
+                </a:ext>
+              </a:extLst>
+            </p:cNvPr>
+            <p:cNvSpPr/>
+            <p:nvPr/>
+          </p:nvSpPr>
+          <p:spPr>
+            <a:xfrm rot="16200000">
+              <a:off x="7103629" y="929189"/>
+              <a:ext cx="1371600" cy="1182414"/>
+            </a:xfrm>
+            <a:prstGeom prst="hexagon">
+              <a:avLst/>
+            </a:prstGeom>
+          </p:spPr>
+          <p:style>
+            <a:lnRef idx="2">
+              <a:schemeClr val="accent4">
+                <a:shade val="50000"/>
+              </a:schemeClr>
+            </a:lnRef>
+            <a:fillRef idx="1">
+              <a:schemeClr val="accent4"/>
+            </a:fillRef>
+            <a:effectRef idx="0">
+              <a:schemeClr val="accent4"/>
+            </a:effectRef>
+            <a:fontRef idx="minor">
+              <a:schemeClr val="lt1"/>
+            </a:fontRef>
+          </p:style>
+          <p:txBody>
+            <a:bodyPr rtlCol="0" anchor="ctr"/>
+            <a:lstStyle/>
+            <a:p>
+              <a:pPr algn="ctr"/>
+              <a:endParaRPr lang="en-US" dirty="0"/>
+            </a:p>
+          </p:txBody>
+        </p:sp>
+        <p:sp>
+          <p:nvSpPr>
+            <p:cNvPr id="29" name="TextBox 28">
+              <a:extLst>
+                <a:ext uri="{FF2B5EF4-FFF2-40B4-BE49-F238E27FC236}">
+                  <a16:creationId xmlns:a16="http://schemas.microsoft.com/office/drawing/2014/main" id="{2749FBE5-DD45-4C5F-9020-3F9965192E65}"/>
                 </a:ext>
               </a:extLst>
             </p:cNvPr>
@@ -11519,7 +11569,7 @@
           </p:nvSpPr>
           <p:spPr>
             <a:xfrm>
-              <a:off x="4910544" y="1326889"/>
+              <a:off x="6099521" y="3496978"/>
               <a:ext cx="1026234" cy="369332"/>
             </a:xfrm>
             <a:prstGeom prst="rect">
@@ -11536,167 +11586,13 @@
               <a:pPr algn="ctr"/>
               <a:r>
                 <a:rPr lang="en-US" dirty="0"/>
-                <a:t>wA1</a:t>
+                <a:t>spider</a:t>
               </a:r>
             </a:p>
           </p:txBody>
         </p:sp>
         <p:sp>
           <p:nvSpPr>
-            <p:cNvPr id="26" name="TextBox 25">
-              <a:extLst>
-                <a:ext uri="{FF2B5EF4-FFF2-40B4-BE49-F238E27FC236}">
-                  <a16:creationId xmlns:a16="http://schemas.microsoft.com/office/drawing/2014/main" id="{B7D25F5D-6BC4-4CB2-B046-056CC47BE337}"/>
-                </a:ext>
-              </a:extLst>
-            </p:cNvPr>
-            <p:cNvSpPr txBox="1"/>
-            <p:nvPr/>
-          </p:nvSpPr>
-          <p:spPr>
-            <a:xfrm>
-              <a:off x="6092958" y="1326889"/>
-              <a:ext cx="1026234" cy="369332"/>
-            </a:xfrm>
-            <a:prstGeom prst="rect">
-              <a:avLst/>
-            </a:prstGeom>
-            <a:noFill/>
-          </p:spPr>
-          <p:txBody>
-            <a:bodyPr wrap="square" rtlCol="0">
-              <a:spAutoFit/>
-            </a:bodyPr>
-            <a:lstStyle/>
-            <a:p>
-              <a:pPr algn="ctr"/>
-              <a:r>
-                <a:rPr lang="en-US" dirty="0"/>
-                <a:t>bA1</a:t>
-              </a:r>
-            </a:p>
-          </p:txBody>
-        </p:sp>
-        <p:sp>
-          <p:nvSpPr>
-            <p:cNvPr id="27" name="Hexagon 26">
-              <a:extLst>
-                <a:ext uri="{FF2B5EF4-FFF2-40B4-BE49-F238E27FC236}">
-                  <a16:creationId xmlns:a16="http://schemas.microsoft.com/office/drawing/2014/main" id="{75656F04-88B0-4E1F-BDD5-F5E1CC053862}"/>
-                </a:ext>
-              </a:extLst>
-            </p:cNvPr>
-            <p:cNvSpPr/>
-            <p:nvPr/>
-          </p:nvSpPr>
-          <p:spPr>
-            <a:xfrm rot="16200000">
-              <a:off x="7103629" y="929189"/>
-              <a:ext cx="1371600" cy="1182414"/>
-            </a:xfrm>
-            <a:prstGeom prst="hexagon">
-              <a:avLst/>
-            </a:prstGeom>
-          </p:spPr>
-          <p:style>
-            <a:lnRef idx="2">
-              <a:schemeClr val="accent4">
-                <a:shade val="50000"/>
-              </a:schemeClr>
-            </a:lnRef>
-            <a:fillRef idx="1">
-              <a:schemeClr val="accent4"/>
-            </a:fillRef>
-            <a:effectRef idx="0">
-              <a:schemeClr val="accent4"/>
-            </a:effectRef>
-            <a:fontRef idx="minor">
-              <a:schemeClr val="lt1"/>
-            </a:fontRef>
-          </p:style>
-          <p:txBody>
-            <a:bodyPr rtlCol="0" anchor="ctr"/>
-            <a:lstStyle/>
-            <a:p>
-              <a:pPr algn="ctr"/>
-              <a:endParaRPr lang="en-US" dirty="0"/>
-            </a:p>
-          </p:txBody>
-        </p:sp>
-        <p:sp>
-          <p:nvSpPr>
-            <p:cNvPr id="28" name="TextBox 27">
-              <a:extLst>
-                <a:ext uri="{FF2B5EF4-FFF2-40B4-BE49-F238E27FC236}">
-                  <a16:creationId xmlns:a16="http://schemas.microsoft.com/office/drawing/2014/main" id="{2F9C8888-138B-488D-A59D-8EAA6F65E5F3}"/>
-                </a:ext>
-              </a:extLst>
-            </p:cNvPr>
-            <p:cNvSpPr txBox="1"/>
-            <p:nvPr/>
-          </p:nvSpPr>
-          <p:spPr>
-            <a:xfrm>
-              <a:off x="1955449" y="2409240"/>
-              <a:ext cx="1026234" cy="369332"/>
-            </a:xfrm>
-            <a:prstGeom prst="rect">
-              <a:avLst/>
-            </a:prstGeom>
-            <a:noFill/>
-          </p:spPr>
-          <p:txBody>
-            <a:bodyPr wrap="square" rtlCol="0">
-              <a:spAutoFit/>
-            </a:bodyPr>
-            <a:lstStyle/>
-            <a:p>
-              <a:pPr algn="ctr"/>
-              <a:r>
-                <a:rPr lang="en-US" dirty="0"/>
-                <a:t>bB1</a:t>
-              </a:r>
-            </a:p>
-          </p:txBody>
-        </p:sp>
-        <p:sp>
-          <p:nvSpPr>
-            <p:cNvPr id="29" name="TextBox 28">
-              <a:extLst>
-                <a:ext uri="{FF2B5EF4-FFF2-40B4-BE49-F238E27FC236}">
-                  <a16:creationId xmlns:a16="http://schemas.microsoft.com/office/drawing/2014/main" id="{2749FBE5-DD45-4C5F-9020-3F9965192E65}"/>
-                </a:ext>
-              </a:extLst>
-            </p:cNvPr>
-            <p:cNvSpPr txBox="1"/>
-            <p:nvPr/>
-          </p:nvSpPr>
-          <p:spPr>
-            <a:xfrm>
-              <a:off x="4320277" y="2403210"/>
-              <a:ext cx="1026234" cy="369332"/>
-            </a:xfrm>
-            <a:prstGeom prst="rect">
-              <a:avLst/>
-            </a:prstGeom>
-            <a:noFill/>
-          </p:spPr>
-          <p:txBody>
-            <a:bodyPr wrap="square" rtlCol="0">
-              <a:spAutoFit/>
-            </a:bodyPr>
-            <a:lstStyle/>
-            <a:p>
-              <a:pPr algn="ctr"/>
-              <a:r>
-                <a:rPr lang="en-US" dirty="0"/>
-                <a:t>wA2</a:t>
-              </a:r>
-            </a:p>
-          </p:txBody>
-        </p:sp>
-        <p:sp>
-          <p:nvSpPr>
             <p:cNvPr id="31" name="Hexagon 30">
               <a:extLst>
                 <a:ext uri="{FF2B5EF4-FFF2-40B4-BE49-F238E27FC236}">
@@ -11810,15 +11706,15 @@
           </p:spPr>
           <p:style>
             <a:lnRef idx="2">
-              <a:schemeClr val="accent4">
-                <a:shade val="50000"/>
-              </a:schemeClr>
-            </a:lnRef>
-            <a:fillRef idx="1">
-              <a:schemeClr val="accent4"/>
-            </a:fillRef>
-            <a:effectRef idx="0">
-              <a:schemeClr val="accent4"/>
+              <a:schemeClr val="accent2">
+                <a:shade val="50000"/>
+              </a:schemeClr>
+            </a:lnRef>
+            <a:fillRef idx="1">
+              <a:schemeClr val="accent2"/>
+            </a:fillRef>
+            <a:effectRef idx="0">
+              <a:schemeClr val="accent2"/>
             </a:effectRef>
             <a:fontRef idx="minor">
               <a:schemeClr val="lt1"/>
@@ -12293,7 +12189,1111 @@
             </a:p>
           </p:txBody>
         </p:sp>
+        <p:sp>
+          <p:nvSpPr>
+            <p:cNvPr id="55" name="Hexagon 54">
+              <a:extLst>
+                <a:ext uri="{FF2B5EF4-FFF2-40B4-BE49-F238E27FC236}">
+                  <a16:creationId xmlns:a16="http://schemas.microsoft.com/office/drawing/2014/main" id="{3A1E1F75-52BF-4D16-80F6-5C0C92AC604C}"/>
+                </a:ext>
+              </a:extLst>
+            </p:cNvPr>
+            <p:cNvSpPr/>
+            <p:nvPr/>
+          </p:nvSpPr>
+          <p:spPr>
+            <a:xfrm rot="16200000">
+              <a:off x="1786511" y="4149725"/>
+              <a:ext cx="1371600" cy="1182414"/>
+            </a:xfrm>
+            <a:prstGeom prst="hexagon">
+              <a:avLst/>
+            </a:prstGeom>
+          </p:spPr>
+          <p:style>
+            <a:lnRef idx="2">
+              <a:schemeClr val="accent4">
+                <a:shade val="50000"/>
+              </a:schemeClr>
+            </a:lnRef>
+            <a:fillRef idx="1">
+              <a:schemeClr val="accent4"/>
+            </a:fillRef>
+            <a:effectRef idx="0">
+              <a:schemeClr val="accent4"/>
+            </a:effectRef>
+            <a:fontRef idx="minor">
+              <a:schemeClr val="lt1"/>
+            </a:fontRef>
+          </p:style>
+          <p:txBody>
+            <a:bodyPr rtlCol="0" anchor="ctr"/>
+            <a:lstStyle/>
+            <a:p>
+              <a:pPr algn="ctr"/>
+              <a:endParaRPr lang="en-US" dirty="0"/>
+            </a:p>
+          </p:txBody>
+        </p:sp>
+        <p:sp>
+          <p:nvSpPr>
+            <p:cNvPr id="56" name="Hexagon 55">
+              <a:extLst>
+                <a:ext uri="{FF2B5EF4-FFF2-40B4-BE49-F238E27FC236}">
+                  <a16:creationId xmlns:a16="http://schemas.microsoft.com/office/drawing/2014/main" id="{F4B2FF76-05BE-4DB7-8862-9B6D5328C429}"/>
+                </a:ext>
+              </a:extLst>
+            </p:cNvPr>
+            <p:cNvSpPr/>
+            <p:nvPr/>
+          </p:nvSpPr>
+          <p:spPr>
+            <a:xfrm rot="16200000">
+              <a:off x="2968926" y="4149725"/>
+              <a:ext cx="1371600" cy="1182414"/>
+            </a:xfrm>
+            <a:prstGeom prst="hexagon">
+              <a:avLst/>
+            </a:prstGeom>
+          </p:spPr>
+          <p:style>
+            <a:lnRef idx="2">
+              <a:schemeClr val="accent4">
+                <a:shade val="50000"/>
+              </a:schemeClr>
+            </a:lnRef>
+            <a:fillRef idx="1">
+              <a:schemeClr val="accent4"/>
+            </a:fillRef>
+            <a:effectRef idx="0">
+              <a:schemeClr val="accent4"/>
+            </a:effectRef>
+            <a:fontRef idx="minor">
+              <a:schemeClr val="lt1"/>
+            </a:fontRef>
+          </p:style>
+          <p:txBody>
+            <a:bodyPr rtlCol="0" anchor="ctr"/>
+            <a:lstStyle/>
+            <a:p>
+              <a:pPr algn="ctr"/>
+              <a:endParaRPr lang="en-US" dirty="0"/>
+            </a:p>
+          </p:txBody>
+        </p:sp>
+        <p:sp>
+          <p:nvSpPr>
+            <p:cNvPr id="57" name="Hexagon 56">
+              <a:extLst>
+                <a:ext uri="{FF2B5EF4-FFF2-40B4-BE49-F238E27FC236}">
+                  <a16:creationId xmlns:a16="http://schemas.microsoft.com/office/drawing/2014/main" id="{AFFAA895-77E8-4310-A536-5AC7C393FF04}"/>
+                </a:ext>
+              </a:extLst>
+            </p:cNvPr>
+            <p:cNvSpPr/>
+            <p:nvPr/>
+          </p:nvSpPr>
+          <p:spPr>
+            <a:xfrm rot="16200000">
+              <a:off x="4151341" y="4149723"/>
+              <a:ext cx="1371600" cy="1182414"/>
+            </a:xfrm>
+            <a:prstGeom prst="hexagon">
+              <a:avLst/>
+            </a:prstGeom>
+          </p:spPr>
+          <p:style>
+            <a:lnRef idx="2">
+              <a:schemeClr val="accent4">
+                <a:shade val="50000"/>
+              </a:schemeClr>
+            </a:lnRef>
+            <a:fillRef idx="1">
+              <a:schemeClr val="accent4"/>
+            </a:fillRef>
+            <a:effectRef idx="0">
+              <a:schemeClr val="accent4"/>
+            </a:effectRef>
+            <a:fontRef idx="minor">
+              <a:schemeClr val="lt1"/>
+            </a:fontRef>
+          </p:style>
+          <p:txBody>
+            <a:bodyPr rtlCol="0" anchor="ctr"/>
+            <a:lstStyle/>
+            <a:p>
+              <a:pPr algn="ctr"/>
+              <a:endParaRPr lang="en-US" dirty="0"/>
+            </a:p>
+          </p:txBody>
+        </p:sp>
+        <p:sp>
+          <p:nvSpPr>
+            <p:cNvPr id="58" name="Hexagon 57">
+              <a:extLst>
+                <a:ext uri="{FF2B5EF4-FFF2-40B4-BE49-F238E27FC236}">
+                  <a16:creationId xmlns:a16="http://schemas.microsoft.com/office/drawing/2014/main" id="{DF9884D6-5D6E-40FE-A01F-E5A45F349225}"/>
+                </a:ext>
+              </a:extLst>
+            </p:cNvPr>
+            <p:cNvSpPr/>
+            <p:nvPr/>
+          </p:nvSpPr>
+          <p:spPr>
+            <a:xfrm rot="16200000">
+              <a:off x="5333756" y="4149721"/>
+              <a:ext cx="1371600" cy="1182414"/>
+            </a:xfrm>
+            <a:prstGeom prst="hexagon">
+              <a:avLst/>
+            </a:prstGeom>
+          </p:spPr>
+          <p:style>
+            <a:lnRef idx="2">
+              <a:schemeClr val="accent4">
+                <a:shade val="50000"/>
+              </a:schemeClr>
+            </a:lnRef>
+            <a:fillRef idx="1">
+              <a:schemeClr val="accent4"/>
+            </a:fillRef>
+            <a:effectRef idx="0">
+              <a:schemeClr val="accent4"/>
+            </a:effectRef>
+            <a:fontRef idx="minor">
+              <a:schemeClr val="lt1"/>
+            </a:fontRef>
+          </p:style>
+          <p:txBody>
+            <a:bodyPr rtlCol="0" anchor="ctr"/>
+            <a:lstStyle/>
+            <a:p>
+              <a:pPr algn="ctr"/>
+              <a:endParaRPr lang="en-US" dirty="0"/>
+            </a:p>
+          </p:txBody>
+        </p:sp>
+        <p:sp>
+          <p:nvSpPr>
+            <p:cNvPr id="59" name="Hexagon 58">
+              <a:extLst>
+                <a:ext uri="{FF2B5EF4-FFF2-40B4-BE49-F238E27FC236}">
+                  <a16:creationId xmlns:a16="http://schemas.microsoft.com/office/drawing/2014/main" id="{7072780D-20B9-49E4-BD7B-1773ED2DFE64}"/>
+                </a:ext>
+              </a:extLst>
+            </p:cNvPr>
+            <p:cNvSpPr/>
+            <p:nvPr/>
+          </p:nvSpPr>
+          <p:spPr>
+            <a:xfrm rot="16200000">
+              <a:off x="6516171" y="4149719"/>
+              <a:ext cx="1371600" cy="1182414"/>
+            </a:xfrm>
+            <a:prstGeom prst="hexagon">
+              <a:avLst/>
+            </a:prstGeom>
+          </p:spPr>
+          <p:style>
+            <a:lnRef idx="2">
+              <a:schemeClr val="accent4">
+                <a:shade val="50000"/>
+              </a:schemeClr>
+            </a:lnRef>
+            <a:fillRef idx="1">
+              <a:schemeClr val="accent4"/>
+            </a:fillRef>
+            <a:effectRef idx="0">
+              <a:schemeClr val="accent4"/>
+            </a:effectRef>
+            <a:fontRef idx="minor">
+              <a:schemeClr val="lt1"/>
+            </a:fontRef>
+          </p:style>
+          <p:txBody>
+            <a:bodyPr rtlCol="0" anchor="ctr"/>
+            <a:lstStyle/>
+            <a:p>
+              <a:pPr algn="ctr"/>
+              <a:endParaRPr lang="en-US" dirty="0"/>
+            </a:p>
+          </p:txBody>
+        </p:sp>
+        <p:sp>
+          <p:nvSpPr>
+            <p:cNvPr id="60" name="Hexagon 59">
+              <a:extLst>
+                <a:ext uri="{FF2B5EF4-FFF2-40B4-BE49-F238E27FC236}">
+                  <a16:creationId xmlns:a16="http://schemas.microsoft.com/office/drawing/2014/main" id="{647ACFC0-1800-4D22-868C-367584BA35E1}"/>
+                </a:ext>
+              </a:extLst>
+            </p:cNvPr>
+            <p:cNvSpPr/>
+            <p:nvPr/>
+          </p:nvSpPr>
+          <p:spPr>
+            <a:xfrm rot="16200000">
+              <a:off x="7694838" y="4132037"/>
+              <a:ext cx="1371600" cy="1182414"/>
+            </a:xfrm>
+            <a:prstGeom prst="hexagon">
+              <a:avLst/>
+            </a:prstGeom>
+          </p:spPr>
+          <p:style>
+            <a:lnRef idx="2">
+              <a:schemeClr val="accent4">
+                <a:shade val="50000"/>
+              </a:schemeClr>
+            </a:lnRef>
+            <a:fillRef idx="1">
+              <a:schemeClr val="accent4"/>
+            </a:fillRef>
+            <a:effectRef idx="0">
+              <a:schemeClr val="accent4"/>
+            </a:effectRef>
+            <a:fontRef idx="minor">
+              <a:schemeClr val="lt1"/>
+            </a:fontRef>
+          </p:style>
+          <p:txBody>
+            <a:bodyPr rtlCol="0" anchor="ctr"/>
+            <a:lstStyle/>
+            <a:p>
+              <a:pPr algn="ctr"/>
+              <a:endParaRPr lang="en-US" dirty="0"/>
+            </a:p>
+          </p:txBody>
+        </p:sp>
+        <p:sp>
+          <p:nvSpPr>
+            <p:cNvPr id="61" name="Hexagon 60">
+              <a:extLst>
+                <a:ext uri="{FF2B5EF4-FFF2-40B4-BE49-F238E27FC236}">
+                  <a16:creationId xmlns:a16="http://schemas.microsoft.com/office/drawing/2014/main" id="{FBF0F92A-C566-4BDF-9C56-0000B1B3125E}"/>
+                </a:ext>
+              </a:extLst>
+            </p:cNvPr>
+            <p:cNvSpPr/>
+            <p:nvPr/>
+          </p:nvSpPr>
+          <p:spPr>
+            <a:xfrm rot="16200000">
+              <a:off x="8873505" y="4114355"/>
+              <a:ext cx="1371600" cy="1182414"/>
+            </a:xfrm>
+            <a:prstGeom prst="hexagon">
+              <a:avLst/>
+            </a:prstGeom>
+          </p:spPr>
+          <p:style>
+            <a:lnRef idx="2">
+              <a:schemeClr val="accent4">
+                <a:shade val="50000"/>
+              </a:schemeClr>
+            </a:lnRef>
+            <a:fillRef idx="1">
+              <a:schemeClr val="accent4"/>
+            </a:fillRef>
+            <a:effectRef idx="0">
+              <a:schemeClr val="accent4"/>
+            </a:effectRef>
+            <a:fontRef idx="minor">
+              <a:schemeClr val="lt1"/>
+            </a:fontRef>
+          </p:style>
+          <p:txBody>
+            <a:bodyPr rtlCol="0" anchor="ctr"/>
+            <a:lstStyle/>
+            <a:p>
+              <a:pPr algn="ctr"/>
+              <a:endParaRPr lang="en-US" dirty="0"/>
+            </a:p>
+          </p:txBody>
+        </p:sp>
       </p:grpSp>
+      <p:sp>
+        <p:nvSpPr>
+          <p:cNvPr id="46" name="Hexagon 45">
+            <a:extLst>
+              <a:ext uri="{FF2B5EF4-FFF2-40B4-BE49-F238E27FC236}">
+                <a16:creationId xmlns:a16="http://schemas.microsoft.com/office/drawing/2014/main" id="{A9C7D088-5A46-49F0-921F-00E1F75503FB}"/>
+              </a:ext>
+            </a:extLst>
+          </p:cNvPr>
+          <p:cNvSpPr/>
+          <p:nvPr/>
+        </p:nvSpPr>
+        <p:spPr>
+          <a:xfrm rot="16200000">
+            <a:off x="684286" y="4379790"/>
+            <a:ext cx="1371600" cy="1182414"/>
+          </a:xfrm>
+          <a:prstGeom prst="hexagon">
+            <a:avLst/>
+          </a:prstGeom>
+        </p:spPr>
+        <p:style>
+          <a:lnRef idx="2">
+            <a:schemeClr val="accent4">
+              <a:shade val="50000"/>
+            </a:schemeClr>
+          </a:lnRef>
+          <a:fillRef idx="1">
+            <a:schemeClr val="accent4"/>
+          </a:fillRef>
+          <a:effectRef idx="0">
+            <a:schemeClr val="accent4"/>
+          </a:effectRef>
+          <a:fontRef idx="minor">
+            <a:schemeClr val="lt1"/>
+          </a:fontRef>
+        </p:style>
+        <p:txBody>
+          <a:bodyPr rtlCol="0" anchor="ctr"/>
+          <a:lstStyle/>
+          <a:p>
+            <a:pPr algn="ctr"/>
+            <a:endParaRPr lang="en-US" dirty="0"/>
+          </a:p>
+        </p:txBody>
+      </p:sp>
+      <p:sp>
+        <p:nvSpPr>
+          <p:cNvPr id="47" name="Hexagon 46">
+            <a:extLst>
+              <a:ext uri="{FF2B5EF4-FFF2-40B4-BE49-F238E27FC236}">
+                <a16:creationId xmlns:a16="http://schemas.microsoft.com/office/drawing/2014/main" id="{183B271D-DBE1-488C-B695-17EF140AD9A0}"/>
+              </a:ext>
+            </a:extLst>
+          </p:cNvPr>
+          <p:cNvSpPr/>
+          <p:nvPr/>
+        </p:nvSpPr>
+        <p:spPr>
+          <a:xfrm rot="16200000">
+            <a:off x="1866701" y="4379790"/>
+            <a:ext cx="1371600" cy="1182414"/>
+          </a:xfrm>
+          <a:prstGeom prst="hexagon">
+            <a:avLst/>
+          </a:prstGeom>
+        </p:spPr>
+        <p:style>
+          <a:lnRef idx="2">
+            <a:schemeClr val="accent4">
+              <a:shade val="50000"/>
+            </a:schemeClr>
+          </a:lnRef>
+          <a:fillRef idx="1">
+            <a:schemeClr val="accent4"/>
+          </a:fillRef>
+          <a:effectRef idx="0">
+            <a:schemeClr val="accent4"/>
+          </a:effectRef>
+          <a:fontRef idx="minor">
+            <a:schemeClr val="lt1"/>
+          </a:fontRef>
+        </p:style>
+        <p:txBody>
+          <a:bodyPr rtlCol="0" anchor="ctr"/>
+          <a:lstStyle/>
+          <a:p>
+            <a:pPr algn="ctr"/>
+            <a:endParaRPr lang="en-US" dirty="0"/>
+          </a:p>
+        </p:txBody>
+      </p:sp>
+      <p:sp>
+        <p:nvSpPr>
+          <p:cNvPr id="48" name="Hexagon 47">
+            <a:extLst>
+              <a:ext uri="{FF2B5EF4-FFF2-40B4-BE49-F238E27FC236}">
+                <a16:creationId xmlns:a16="http://schemas.microsoft.com/office/drawing/2014/main" id="{BEAE9A87-61E5-4647-86F7-28F89ABED956}"/>
+              </a:ext>
+            </a:extLst>
+          </p:cNvPr>
+          <p:cNvSpPr/>
+          <p:nvPr/>
+        </p:nvSpPr>
+        <p:spPr>
+          <a:xfrm rot="16200000">
+            <a:off x="3049116" y="4379790"/>
+            <a:ext cx="1371600" cy="1182414"/>
+          </a:xfrm>
+          <a:prstGeom prst="hexagon">
+            <a:avLst/>
+          </a:prstGeom>
+        </p:spPr>
+        <p:style>
+          <a:lnRef idx="2">
+            <a:schemeClr val="accent4">
+              <a:shade val="50000"/>
+            </a:schemeClr>
+          </a:lnRef>
+          <a:fillRef idx="1">
+            <a:schemeClr val="accent4"/>
+          </a:fillRef>
+          <a:effectRef idx="0">
+            <a:schemeClr val="accent4"/>
+          </a:effectRef>
+          <a:fontRef idx="minor">
+            <a:schemeClr val="lt1"/>
+          </a:fontRef>
+        </p:style>
+        <p:txBody>
+          <a:bodyPr rtlCol="0" anchor="ctr"/>
+          <a:lstStyle/>
+          <a:p>
+            <a:pPr algn="ctr"/>
+            <a:endParaRPr lang="en-US" dirty="0"/>
+          </a:p>
+        </p:txBody>
+      </p:sp>
+      <p:sp>
+        <p:nvSpPr>
+          <p:cNvPr id="49" name="Hexagon 48">
+            <a:extLst>
+              <a:ext uri="{FF2B5EF4-FFF2-40B4-BE49-F238E27FC236}">
+                <a16:creationId xmlns:a16="http://schemas.microsoft.com/office/drawing/2014/main" id="{C05218DE-6C27-441E-A053-6B6554D5508B}"/>
+              </a:ext>
+            </a:extLst>
+          </p:cNvPr>
+          <p:cNvSpPr/>
+          <p:nvPr/>
+        </p:nvSpPr>
+        <p:spPr>
+          <a:xfrm rot="16200000">
+            <a:off x="4231531" y="4379790"/>
+            <a:ext cx="1371600" cy="1182414"/>
+          </a:xfrm>
+          <a:prstGeom prst="hexagon">
+            <a:avLst/>
+          </a:prstGeom>
+        </p:spPr>
+        <p:style>
+          <a:lnRef idx="2">
+            <a:schemeClr val="accent4">
+              <a:shade val="50000"/>
+            </a:schemeClr>
+          </a:lnRef>
+          <a:fillRef idx="1">
+            <a:schemeClr val="accent4"/>
+          </a:fillRef>
+          <a:effectRef idx="0">
+            <a:schemeClr val="accent4"/>
+          </a:effectRef>
+          <a:fontRef idx="minor">
+            <a:schemeClr val="lt1"/>
+          </a:fontRef>
+        </p:style>
+        <p:txBody>
+          <a:bodyPr rtlCol="0" anchor="ctr"/>
+          <a:lstStyle/>
+          <a:p>
+            <a:pPr algn="ctr"/>
+            <a:endParaRPr lang="en-US" dirty="0"/>
+          </a:p>
+        </p:txBody>
+      </p:sp>
+      <p:sp>
+        <p:nvSpPr>
+          <p:cNvPr id="50" name="Hexagon 49">
+            <a:extLst>
+              <a:ext uri="{FF2B5EF4-FFF2-40B4-BE49-F238E27FC236}">
+                <a16:creationId xmlns:a16="http://schemas.microsoft.com/office/drawing/2014/main" id="{84FD9BDF-123D-4FFE-BD6F-4AE42DFAA468}"/>
+              </a:ext>
+            </a:extLst>
+          </p:cNvPr>
+          <p:cNvSpPr/>
+          <p:nvPr/>
+        </p:nvSpPr>
+        <p:spPr>
+          <a:xfrm rot="16200000">
+            <a:off x="5413946" y="4379790"/>
+            <a:ext cx="1371600" cy="1182414"/>
+          </a:xfrm>
+          <a:prstGeom prst="hexagon">
+            <a:avLst/>
+          </a:prstGeom>
+        </p:spPr>
+        <p:style>
+          <a:lnRef idx="2">
+            <a:schemeClr val="accent4">
+              <a:shade val="50000"/>
+            </a:schemeClr>
+          </a:lnRef>
+          <a:fillRef idx="1">
+            <a:schemeClr val="accent4"/>
+          </a:fillRef>
+          <a:effectRef idx="0">
+            <a:schemeClr val="accent4"/>
+          </a:effectRef>
+          <a:fontRef idx="minor">
+            <a:schemeClr val="lt1"/>
+          </a:fontRef>
+        </p:style>
+        <p:txBody>
+          <a:bodyPr rtlCol="0" anchor="ctr"/>
+          <a:lstStyle/>
+          <a:p>
+            <a:pPr algn="ctr"/>
+            <a:endParaRPr lang="en-US" dirty="0"/>
+          </a:p>
+        </p:txBody>
+      </p:sp>
+      <p:sp>
+        <p:nvSpPr>
+          <p:cNvPr id="51" name="Hexagon 50">
+            <a:extLst>
+              <a:ext uri="{FF2B5EF4-FFF2-40B4-BE49-F238E27FC236}">
+                <a16:creationId xmlns:a16="http://schemas.microsoft.com/office/drawing/2014/main" id="{E97C59B0-F1D5-41E5-8952-297F9A7B6697}"/>
+              </a:ext>
+            </a:extLst>
+          </p:cNvPr>
+          <p:cNvSpPr/>
+          <p:nvPr/>
+        </p:nvSpPr>
+        <p:spPr>
+          <a:xfrm rot="16200000">
+            <a:off x="6594487" y="4362108"/>
+            <a:ext cx="1371600" cy="1182414"/>
+          </a:xfrm>
+          <a:prstGeom prst="hexagon">
+            <a:avLst/>
+          </a:prstGeom>
+        </p:spPr>
+        <p:style>
+          <a:lnRef idx="2">
+            <a:schemeClr val="accent4">
+              <a:shade val="50000"/>
+            </a:schemeClr>
+          </a:lnRef>
+          <a:fillRef idx="1">
+            <a:schemeClr val="accent4"/>
+          </a:fillRef>
+          <a:effectRef idx="0">
+            <a:schemeClr val="accent4"/>
+          </a:effectRef>
+          <a:fontRef idx="minor">
+            <a:schemeClr val="lt1"/>
+          </a:fontRef>
+        </p:style>
+        <p:txBody>
+          <a:bodyPr rtlCol="0" anchor="ctr"/>
+          <a:lstStyle/>
+          <a:p>
+            <a:pPr algn="ctr"/>
+            <a:endParaRPr lang="en-US" dirty="0"/>
+          </a:p>
+        </p:txBody>
+      </p:sp>
+      <p:sp>
+        <p:nvSpPr>
+          <p:cNvPr id="52" name="Hexagon 51">
+            <a:extLst>
+              <a:ext uri="{FF2B5EF4-FFF2-40B4-BE49-F238E27FC236}">
+                <a16:creationId xmlns:a16="http://schemas.microsoft.com/office/drawing/2014/main" id="{11334973-D441-45AC-84CD-3230FDD13425}"/>
+              </a:ext>
+            </a:extLst>
+          </p:cNvPr>
+          <p:cNvSpPr/>
+          <p:nvPr/>
+        </p:nvSpPr>
+        <p:spPr>
+          <a:xfrm rot="16200000">
+            <a:off x="7775028" y="4344426"/>
+            <a:ext cx="1371600" cy="1182414"/>
+          </a:xfrm>
+          <a:prstGeom prst="hexagon">
+            <a:avLst/>
+          </a:prstGeom>
+        </p:spPr>
+        <p:style>
+          <a:lnRef idx="2">
+            <a:schemeClr val="accent4">
+              <a:shade val="50000"/>
+            </a:schemeClr>
+          </a:lnRef>
+          <a:fillRef idx="1">
+            <a:schemeClr val="accent4"/>
+          </a:fillRef>
+          <a:effectRef idx="0">
+            <a:schemeClr val="accent4"/>
+          </a:effectRef>
+          <a:fontRef idx="minor">
+            <a:schemeClr val="lt1"/>
+          </a:fontRef>
+        </p:style>
+        <p:txBody>
+          <a:bodyPr rtlCol="0" anchor="ctr"/>
+          <a:lstStyle/>
+          <a:p>
+            <a:pPr algn="ctr"/>
+            <a:endParaRPr lang="en-US" dirty="0"/>
+          </a:p>
+        </p:txBody>
+      </p:sp>
+      <p:sp>
+        <p:nvSpPr>
+          <p:cNvPr id="53" name="Hexagon 52">
+            <a:extLst>
+              <a:ext uri="{FF2B5EF4-FFF2-40B4-BE49-F238E27FC236}">
+                <a16:creationId xmlns:a16="http://schemas.microsoft.com/office/drawing/2014/main" id="{244D4F97-1152-4593-8554-F24FD4055D58}"/>
+              </a:ext>
+            </a:extLst>
+          </p:cNvPr>
+          <p:cNvSpPr/>
+          <p:nvPr/>
+        </p:nvSpPr>
+        <p:spPr>
+          <a:xfrm rot="16200000">
+            <a:off x="8955569" y="4326744"/>
+            <a:ext cx="1371600" cy="1182414"/>
+          </a:xfrm>
+          <a:prstGeom prst="hexagon">
+            <a:avLst/>
+          </a:prstGeom>
+        </p:spPr>
+        <p:style>
+          <a:lnRef idx="2">
+            <a:schemeClr val="accent4">
+              <a:shade val="50000"/>
+            </a:schemeClr>
+          </a:lnRef>
+          <a:fillRef idx="1">
+            <a:schemeClr val="accent4"/>
+          </a:fillRef>
+          <a:effectRef idx="0">
+            <a:schemeClr val="accent4"/>
+          </a:effectRef>
+          <a:fontRef idx="minor">
+            <a:schemeClr val="lt1"/>
+          </a:fontRef>
+        </p:style>
+        <p:txBody>
+          <a:bodyPr rtlCol="0" anchor="ctr"/>
+          <a:lstStyle/>
+          <a:p>
+            <a:pPr algn="ctr"/>
+            <a:endParaRPr lang="en-US" dirty="0"/>
+          </a:p>
+        </p:txBody>
+      </p:sp>
+      <p:sp>
+        <p:nvSpPr>
+          <p:cNvPr id="54" name="Hexagon 53">
+            <a:extLst>
+              <a:ext uri="{FF2B5EF4-FFF2-40B4-BE49-F238E27FC236}">
+                <a16:creationId xmlns:a16="http://schemas.microsoft.com/office/drawing/2014/main" id="{4C59502E-4CD6-459A-A379-F38033D24019}"/>
+              </a:ext>
+            </a:extLst>
+          </p:cNvPr>
+          <p:cNvSpPr/>
+          <p:nvPr/>
+        </p:nvSpPr>
+        <p:spPr>
+          <a:xfrm rot="16200000">
+            <a:off x="10136110" y="4309062"/>
+            <a:ext cx="1371600" cy="1182414"/>
+          </a:xfrm>
+          <a:prstGeom prst="hexagon">
+            <a:avLst/>
+          </a:prstGeom>
+        </p:spPr>
+        <p:style>
+          <a:lnRef idx="2">
+            <a:schemeClr val="accent4">
+              <a:shade val="50000"/>
+            </a:schemeClr>
+          </a:lnRef>
+          <a:fillRef idx="1">
+            <a:schemeClr val="accent4"/>
+          </a:fillRef>
+          <a:effectRef idx="0">
+            <a:schemeClr val="accent4"/>
+          </a:effectRef>
+          <a:fontRef idx="minor">
+            <a:schemeClr val="lt1"/>
+          </a:fontRef>
+        </p:style>
+        <p:txBody>
+          <a:bodyPr rtlCol="0" anchor="ctr"/>
+          <a:lstStyle/>
+          <a:p>
+            <a:pPr algn="ctr"/>
+            <a:endParaRPr lang="en-US" dirty="0"/>
+          </a:p>
+        </p:txBody>
+      </p:sp>
+      <p:sp>
+        <p:nvSpPr>
+          <p:cNvPr id="72" name="Hexagon 71">
+            <a:extLst>
+              <a:ext uri="{FF2B5EF4-FFF2-40B4-BE49-F238E27FC236}">
+                <a16:creationId xmlns:a16="http://schemas.microsoft.com/office/drawing/2014/main" id="{AC421652-E329-44A8-AC77-8C53FF460E44}"/>
+              </a:ext>
+            </a:extLst>
+          </p:cNvPr>
+          <p:cNvSpPr/>
+          <p:nvPr/>
+        </p:nvSpPr>
+        <p:spPr>
+          <a:xfrm rot="16200000">
+            <a:off x="9542092" y="5380370"/>
+            <a:ext cx="1371600" cy="1182414"/>
+          </a:xfrm>
+          <a:prstGeom prst="hexagon">
+            <a:avLst/>
+          </a:prstGeom>
+        </p:spPr>
+        <p:style>
+          <a:lnRef idx="2">
+            <a:schemeClr val="accent4">
+              <a:shade val="50000"/>
+            </a:schemeClr>
+          </a:lnRef>
+          <a:fillRef idx="1">
+            <a:schemeClr val="accent4"/>
+          </a:fillRef>
+          <a:effectRef idx="0">
+            <a:schemeClr val="accent4"/>
+          </a:effectRef>
+          <a:fontRef idx="minor">
+            <a:schemeClr val="lt1"/>
+          </a:fontRef>
+        </p:style>
+        <p:txBody>
+          <a:bodyPr rtlCol="0" anchor="ctr"/>
+          <a:lstStyle/>
+          <a:p>
+            <a:pPr algn="ctr"/>
+            <a:endParaRPr lang="en-US" dirty="0"/>
+          </a:p>
+        </p:txBody>
+      </p:sp>
+      <p:sp>
+        <p:nvSpPr>
+          <p:cNvPr id="73" name="Hexagon 72">
+            <a:extLst>
+              <a:ext uri="{FF2B5EF4-FFF2-40B4-BE49-F238E27FC236}">
+                <a16:creationId xmlns:a16="http://schemas.microsoft.com/office/drawing/2014/main" id="{1E616544-9EB7-4225-A613-9725D89A5A00}"/>
+              </a:ext>
+            </a:extLst>
+          </p:cNvPr>
+          <p:cNvSpPr/>
+          <p:nvPr/>
+        </p:nvSpPr>
+        <p:spPr>
+          <a:xfrm rot="16200000">
+            <a:off x="1281113" y="5433422"/>
+            <a:ext cx="1371600" cy="1182414"/>
+          </a:xfrm>
+          <a:prstGeom prst="hexagon">
+            <a:avLst/>
+          </a:prstGeom>
+        </p:spPr>
+        <p:style>
+          <a:lnRef idx="2">
+            <a:schemeClr val="accent4">
+              <a:shade val="50000"/>
+            </a:schemeClr>
+          </a:lnRef>
+          <a:fillRef idx="1">
+            <a:schemeClr val="accent4"/>
+          </a:fillRef>
+          <a:effectRef idx="0">
+            <a:schemeClr val="accent4"/>
+          </a:effectRef>
+          <a:fontRef idx="minor">
+            <a:schemeClr val="lt1"/>
+          </a:fontRef>
+        </p:style>
+        <p:txBody>
+          <a:bodyPr rtlCol="0" anchor="ctr"/>
+          <a:lstStyle/>
+          <a:p>
+            <a:pPr algn="ctr"/>
+            <a:endParaRPr lang="en-US" dirty="0"/>
+          </a:p>
+        </p:txBody>
+      </p:sp>
+      <p:sp>
+        <p:nvSpPr>
+          <p:cNvPr id="74" name="Hexagon 73">
+            <a:extLst>
+              <a:ext uri="{FF2B5EF4-FFF2-40B4-BE49-F238E27FC236}">
+                <a16:creationId xmlns:a16="http://schemas.microsoft.com/office/drawing/2014/main" id="{B5E81FDC-4103-4E52-9A95-6785A5418357}"/>
+              </a:ext>
+            </a:extLst>
+          </p:cNvPr>
+          <p:cNvSpPr/>
+          <p:nvPr/>
+        </p:nvSpPr>
+        <p:spPr>
+          <a:xfrm rot="16200000">
+            <a:off x="2463528" y="5433422"/>
+            <a:ext cx="1371600" cy="1182414"/>
+          </a:xfrm>
+          <a:prstGeom prst="hexagon">
+            <a:avLst/>
+          </a:prstGeom>
+        </p:spPr>
+        <p:style>
+          <a:lnRef idx="2">
+            <a:schemeClr val="accent4">
+              <a:shade val="50000"/>
+            </a:schemeClr>
+          </a:lnRef>
+          <a:fillRef idx="1">
+            <a:schemeClr val="accent4"/>
+          </a:fillRef>
+          <a:effectRef idx="0">
+            <a:schemeClr val="accent4"/>
+          </a:effectRef>
+          <a:fontRef idx="minor">
+            <a:schemeClr val="lt1"/>
+          </a:fontRef>
+        </p:style>
+        <p:txBody>
+          <a:bodyPr rtlCol="0" anchor="ctr"/>
+          <a:lstStyle/>
+          <a:p>
+            <a:pPr algn="ctr"/>
+            <a:endParaRPr lang="en-US" dirty="0"/>
+          </a:p>
+        </p:txBody>
+      </p:sp>
+      <p:sp>
+        <p:nvSpPr>
+          <p:cNvPr id="75" name="Hexagon 74">
+            <a:extLst>
+              <a:ext uri="{FF2B5EF4-FFF2-40B4-BE49-F238E27FC236}">
+                <a16:creationId xmlns:a16="http://schemas.microsoft.com/office/drawing/2014/main" id="{D3A7BE9F-3C4D-4E34-9C9F-C405C9C7E616}"/>
+              </a:ext>
+            </a:extLst>
+          </p:cNvPr>
+          <p:cNvSpPr/>
+          <p:nvPr/>
+        </p:nvSpPr>
+        <p:spPr>
+          <a:xfrm rot="16200000">
+            <a:off x="3628147" y="5433416"/>
+            <a:ext cx="1371600" cy="1182414"/>
+          </a:xfrm>
+          <a:prstGeom prst="hexagon">
+            <a:avLst/>
+          </a:prstGeom>
+        </p:spPr>
+        <p:style>
+          <a:lnRef idx="2">
+            <a:schemeClr val="accent2">
+              <a:shade val="50000"/>
+            </a:schemeClr>
+          </a:lnRef>
+          <a:fillRef idx="1">
+            <a:schemeClr val="accent2"/>
+          </a:fillRef>
+          <a:effectRef idx="0">
+            <a:schemeClr val="accent2"/>
+          </a:effectRef>
+          <a:fontRef idx="minor">
+            <a:schemeClr val="lt1"/>
+          </a:fontRef>
+        </p:style>
+        <p:txBody>
+          <a:bodyPr rtlCol="0" anchor="ctr"/>
+          <a:lstStyle/>
+          <a:p>
+            <a:pPr algn="ctr"/>
+            <a:endParaRPr lang="en-US" dirty="0"/>
+          </a:p>
+        </p:txBody>
+      </p:sp>
+      <p:sp>
+        <p:nvSpPr>
+          <p:cNvPr id="76" name="Hexagon 75">
+            <a:extLst>
+              <a:ext uri="{FF2B5EF4-FFF2-40B4-BE49-F238E27FC236}">
+                <a16:creationId xmlns:a16="http://schemas.microsoft.com/office/drawing/2014/main" id="{7582FA29-3E00-49FA-8E64-697C41EA69CE}"/>
+              </a:ext>
+            </a:extLst>
+          </p:cNvPr>
+          <p:cNvSpPr/>
+          <p:nvPr/>
+        </p:nvSpPr>
+        <p:spPr>
+          <a:xfrm rot="16200000">
+            <a:off x="4828358" y="5433418"/>
+            <a:ext cx="1371600" cy="1182414"/>
+          </a:xfrm>
+          <a:prstGeom prst="hexagon">
+            <a:avLst/>
+          </a:prstGeom>
+        </p:spPr>
+        <p:style>
+          <a:lnRef idx="2">
+            <a:schemeClr val="accent4">
+              <a:shade val="50000"/>
+            </a:schemeClr>
+          </a:lnRef>
+          <a:fillRef idx="1">
+            <a:schemeClr val="accent4"/>
+          </a:fillRef>
+          <a:effectRef idx="0">
+            <a:schemeClr val="accent4"/>
+          </a:effectRef>
+          <a:fontRef idx="minor">
+            <a:schemeClr val="lt1"/>
+          </a:fontRef>
+        </p:style>
+        <p:txBody>
+          <a:bodyPr rtlCol="0" anchor="ctr"/>
+          <a:lstStyle/>
+          <a:p>
+            <a:pPr algn="ctr"/>
+            <a:endParaRPr lang="en-US" dirty="0"/>
+          </a:p>
+        </p:txBody>
+      </p:sp>
+      <p:sp>
+        <p:nvSpPr>
+          <p:cNvPr id="77" name="Hexagon 76">
+            <a:extLst>
+              <a:ext uri="{FF2B5EF4-FFF2-40B4-BE49-F238E27FC236}">
+                <a16:creationId xmlns:a16="http://schemas.microsoft.com/office/drawing/2014/main" id="{6445EA8C-DABB-4803-A803-CF2844F69E1E}"/>
+              </a:ext>
+            </a:extLst>
+          </p:cNvPr>
+          <p:cNvSpPr/>
+          <p:nvPr/>
+        </p:nvSpPr>
+        <p:spPr>
+          <a:xfrm rot="16200000">
+            <a:off x="6010773" y="5433416"/>
+            <a:ext cx="1371600" cy="1182414"/>
+          </a:xfrm>
+          <a:prstGeom prst="hexagon">
+            <a:avLst/>
+          </a:prstGeom>
+        </p:spPr>
+        <p:style>
+          <a:lnRef idx="2">
+            <a:schemeClr val="accent4">
+              <a:shade val="50000"/>
+            </a:schemeClr>
+          </a:lnRef>
+          <a:fillRef idx="1">
+            <a:schemeClr val="accent4"/>
+          </a:fillRef>
+          <a:effectRef idx="0">
+            <a:schemeClr val="accent4"/>
+          </a:effectRef>
+          <a:fontRef idx="minor">
+            <a:schemeClr val="lt1"/>
+          </a:fontRef>
+        </p:style>
+        <p:txBody>
+          <a:bodyPr rtlCol="0" anchor="ctr"/>
+          <a:lstStyle/>
+          <a:p>
+            <a:pPr algn="ctr"/>
+            <a:endParaRPr lang="en-US" dirty="0"/>
+          </a:p>
+        </p:txBody>
+      </p:sp>
+      <p:sp>
+        <p:nvSpPr>
+          <p:cNvPr id="78" name="Hexagon 77">
+            <a:extLst>
+              <a:ext uri="{FF2B5EF4-FFF2-40B4-BE49-F238E27FC236}">
+                <a16:creationId xmlns:a16="http://schemas.microsoft.com/office/drawing/2014/main" id="{47289A1B-FC29-40B2-A64A-E4C378ACC4EA}"/>
+              </a:ext>
+            </a:extLst>
+          </p:cNvPr>
+          <p:cNvSpPr/>
+          <p:nvPr/>
+        </p:nvSpPr>
+        <p:spPr>
+          <a:xfrm rot="16200000">
+            <a:off x="7189440" y="5415734"/>
+            <a:ext cx="1371600" cy="1182414"/>
+          </a:xfrm>
+          <a:prstGeom prst="hexagon">
+            <a:avLst/>
+          </a:prstGeom>
+        </p:spPr>
+        <p:style>
+          <a:lnRef idx="2">
+            <a:schemeClr val="accent2">
+              <a:shade val="50000"/>
+            </a:schemeClr>
+          </a:lnRef>
+          <a:fillRef idx="1">
+            <a:schemeClr val="accent2"/>
+          </a:fillRef>
+          <a:effectRef idx="0">
+            <a:schemeClr val="accent2"/>
+          </a:effectRef>
+          <a:fontRef idx="minor">
+            <a:schemeClr val="lt1"/>
+          </a:fontRef>
+        </p:style>
+        <p:txBody>
+          <a:bodyPr rtlCol="0" anchor="ctr"/>
+          <a:lstStyle/>
+          <a:p>
+            <a:pPr algn="ctr"/>
+            <a:endParaRPr lang="en-US" dirty="0"/>
+          </a:p>
+        </p:txBody>
+      </p:sp>
+      <p:sp>
+        <p:nvSpPr>
+          <p:cNvPr id="79" name="Hexagon 78">
+            <a:extLst>
+              <a:ext uri="{FF2B5EF4-FFF2-40B4-BE49-F238E27FC236}">
+                <a16:creationId xmlns:a16="http://schemas.microsoft.com/office/drawing/2014/main" id="{25257124-4AEE-4F9E-B5CC-4B3F35C524EE}"/>
+              </a:ext>
+            </a:extLst>
+          </p:cNvPr>
+          <p:cNvSpPr/>
+          <p:nvPr/>
+        </p:nvSpPr>
+        <p:spPr>
+          <a:xfrm rot="16200000">
+            <a:off x="8368107" y="5398052"/>
+            <a:ext cx="1371600" cy="1182414"/>
+          </a:xfrm>
+          <a:prstGeom prst="hexagon">
+            <a:avLst/>
+          </a:prstGeom>
+        </p:spPr>
+        <p:style>
+          <a:lnRef idx="2">
+            <a:schemeClr val="accent4">
+              <a:shade val="50000"/>
+            </a:schemeClr>
+          </a:lnRef>
+          <a:fillRef idx="1">
+            <a:schemeClr val="accent4"/>
+          </a:fillRef>
+          <a:effectRef idx="0">
+            <a:schemeClr val="accent4"/>
+          </a:effectRef>
+          <a:fontRef idx="minor">
+            <a:schemeClr val="lt1"/>
+          </a:fontRef>
+        </p:style>
+        <p:txBody>
+          <a:bodyPr rtlCol="0" anchor="ctr"/>
+          <a:lstStyle/>
+          <a:p>
+            <a:pPr algn="ctr"/>
+            <a:endParaRPr lang="en-US" dirty="0"/>
+          </a:p>
+        </p:txBody>
+      </p:sp>
     </p:spTree>
     <p:extLst>
       <p:ext uri="{BB962C8B-B14F-4D97-AF65-F5344CB8AC3E}">

--- a/hive.pptx
+++ b/hive.pptx
@@ -270,7 +270,7 @@
           <a:p>
             <a:fld id="{09D3105B-3BB3-4DF0-B896-E1E0A5859241}" type="datetimeFigureOut">
               <a:rPr lang="en-US" smtClean="0"/>
-              <a:t>4/20/2022</a:t>
+              <a:t>5/10/2022</a:t>
             </a:fld>
             <a:endParaRPr lang="en-US"/>
           </a:p>
@@ -468,7 +468,7 @@
           <a:p>
             <a:fld id="{09D3105B-3BB3-4DF0-B896-E1E0A5859241}" type="datetimeFigureOut">
               <a:rPr lang="en-US" smtClean="0"/>
-              <a:t>4/20/2022</a:t>
+              <a:t>5/10/2022</a:t>
             </a:fld>
             <a:endParaRPr lang="en-US"/>
           </a:p>
@@ -676,7 +676,7 @@
           <a:p>
             <a:fld id="{09D3105B-3BB3-4DF0-B896-E1E0A5859241}" type="datetimeFigureOut">
               <a:rPr lang="en-US" smtClean="0"/>
-              <a:t>4/20/2022</a:t>
+              <a:t>5/10/2022</a:t>
             </a:fld>
             <a:endParaRPr lang="en-US"/>
           </a:p>
@@ -874,7 +874,7 @@
           <a:p>
             <a:fld id="{09D3105B-3BB3-4DF0-B896-E1E0A5859241}" type="datetimeFigureOut">
               <a:rPr lang="en-US" smtClean="0"/>
-              <a:t>4/20/2022</a:t>
+              <a:t>5/10/2022</a:t>
             </a:fld>
             <a:endParaRPr lang="en-US"/>
           </a:p>
@@ -1149,7 +1149,7 @@
           <a:p>
             <a:fld id="{09D3105B-3BB3-4DF0-B896-E1E0A5859241}" type="datetimeFigureOut">
               <a:rPr lang="en-US" smtClean="0"/>
-              <a:t>4/20/2022</a:t>
+              <a:t>5/10/2022</a:t>
             </a:fld>
             <a:endParaRPr lang="en-US"/>
           </a:p>
@@ -1414,7 +1414,7 @@
           <a:p>
             <a:fld id="{09D3105B-3BB3-4DF0-B896-E1E0A5859241}" type="datetimeFigureOut">
               <a:rPr lang="en-US" smtClean="0"/>
-              <a:t>4/20/2022</a:t>
+              <a:t>5/10/2022</a:t>
             </a:fld>
             <a:endParaRPr lang="en-US"/>
           </a:p>
@@ -1826,7 +1826,7 @@
           <a:p>
             <a:fld id="{09D3105B-3BB3-4DF0-B896-E1E0A5859241}" type="datetimeFigureOut">
               <a:rPr lang="en-US" smtClean="0"/>
-              <a:t>4/20/2022</a:t>
+              <a:t>5/10/2022</a:t>
             </a:fld>
             <a:endParaRPr lang="en-US"/>
           </a:p>
@@ -1967,7 +1967,7 @@
           <a:p>
             <a:fld id="{09D3105B-3BB3-4DF0-B896-E1E0A5859241}" type="datetimeFigureOut">
               <a:rPr lang="en-US" smtClean="0"/>
-              <a:t>4/20/2022</a:t>
+              <a:t>5/10/2022</a:t>
             </a:fld>
             <a:endParaRPr lang="en-US"/>
           </a:p>
@@ -2080,7 +2080,7 @@
           <a:p>
             <a:fld id="{09D3105B-3BB3-4DF0-B896-E1E0A5859241}" type="datetimeFigureOut">
               <a:rPr lang="en-US" smtClean="0"/>
-              <a:t>4/20/2022</a:t>
+              <a:t>5/10/2022</a:t>
             </a:fld>
             <a:endParaRPr lang="en-US"/>
           </a:p>
@@ -2391,7 +2391,7 @@
           <a:p>
             <a:fld id="{09D3105B-3BB3-4DF0-B896-E1E0A5859241}" type="datetimeFigureOut">
               <a:rPr lang="en-US" smtClean="0"/>
-              <a:t>4/20/2022</a:t>
+              <a:t>5/10/2022</a:t>
             </a:fld>
             <a:endParaRPr lang="en-US"/>
           </a:p>
@@ -2679,7 +2679,7 @@
           <a:p>
             <a:fld id="{09D3105B-3BB3-4DF0-B896-E1E0A5859241}" type="datetimeFigureOut">
               <a:rPr lang="en-US" smtClean="0"/>
-              <a:t>4/20/2022</a:t>
+              <a:t>5/10/2022</a:t>
             </a:fld>
             <a:endParaRPr lang="en-US"/>
           </a:p>
@@ -2920,7 +2920,7 @@
           <a:p>
             <a:fld id="{09D3105B-3BB3-4DF0-B896-E1E0A5859241}" type="datetimeFigureOut">
               <a:rPr lang="en-US" smtClean="0"/>
-              <a:t>4/20/2022</a:t>
+              <a:t>5/10/2022</a:t>
             </a:fld>
             <a:endParaRPr lang="en-US"/>
           </a:p>
@@ -14331,7 +14331,7 @@
               <a:pPr algn="ctr"/>
               <a:r>
                 <a:rPr lang="en-US" dirty="0"/>
-                <a:t>bA1</a:t>
+                <a:t>wA3</a:t>
               </a:r>
             </a:p>
           </p:txBody>
@@ -14396,7 +14396,7 @@
           </p:nvSpPr>
           <p:spPr>
             <a:xfrm>
-              <a:off x="1955449" y="2409240"/>
+              <a:off x="2551342" y="1354107"/>
               <a:ext cx="1026234" cy="369332"/>
             </a:xfrm>
             <a:prstGeom prst="rect">
@@ -14432,7 +14432,7 @@
           </p:nvSpPr>
           <p:spPr>
             <a:xfrm>
-              <a:off x="4320277" y="2403210"/>
+              <a:off x="6694647" y="2384651"/>
               <a:ext cx="1026234" cy="369332"/>
             </a:xfrm>
             <a:prstGeom prst="rect">
@@ -15053,6 +15053,150 @@
           </p:txBody>
         </p:sp>
       </p:grpSp>
+      <p:sp>
+        <p:nvSpPr>
+          <p:cNvPr id="46" name="TextBox 45">
+            <a:extLst>
+              <a:ext uri="{FF2B5EF4-FFF2-40B4-BE49-F238E27FC236}">
+                <a16:creationId xmlns:a16="http://schemas.microsoft.com/office/drawing/2014/main" id="{A436EAEB-470D-465B-502A-76D73BC80A9C}"/>
+              </a:ext>
+            </a:extLst>
+          </p:cNvPr>
+          <p:cNvSpPr txBox="1"/>
+          <p:nvPr/>
+        </p:nvSpPr>
+        <p:spPr>
+          <a:xfrm>
+            <a:off x="2632463" y="2743504"/>
+            <a:ext cx="1026234" cy="369332"/>
+          </a:xfrm>
+          <a:prstGeom prst="rect">
+            <a:avLst/>
+          </a:prstGeom>
+          <a:noFill/>
+        </p:spPr>
+        <p:txBody>
+          <a:bodyPr wrap="square" rtlCol="0">
+            <a:spAutoFit/>
+          </a:bodyPr>
+          <a:lstStyle/>
+          <a:p>
+            <a:pPr algn="ctr"/>
+            <a:r>
+              <a:rPr lang="en-US" dirty="0"/>
+              <a:t>bB1</a:t>
+            </a:r>
+          </a:p>
+        </p:txBody>
+      </p:sp>
+      <p:sp>
+        <p:nvSpPr>
+          <p:cNvPr id="49" name="TextBox 48">
+            <a:extLst>
+              <a:ext uri="{FF2B5EF4-FFF2-40B4-BE49-F238E27FC236}">
+                <a16:creationId xmlns:a16="http://schemas.microsoft.com/office/drawing/2014/main" id="{20B2BE33-3172-B086-6254-8EFFE0D29E43}"/>
+              </a:ext>
+            </a:extLst>
+          </p:cNvPr>
+          <p:cNvSpPr txBox="1"/>
+          <p:nvPr/>
+        </p:nvSpPr>
+        <p:spPr>
+          <a:xfrm>
+            <a:off x="3249564" y="1685379"/>
+            <a:ext cx="1026234" cy="369332"/>
+          </a:xfrm>
+          <a:prstGeom prst="rect">
+            <a:avLst/>
+          </a:prstGeom>
+          <a:noFill/>
+        </p:spPr>
+        <p:txBody>
+          <a:bodyPr wrap="square" rtlCol="0">
+            <a:spAutoFit/>
+          </a:bodyPr>
+          <a:lstStyle/>
+          <a:p>
+            <a:pPr algn="ctr"/>
+            <a:r>
+              <a:rPr lang="en-US" dirty="0"/>
+              <a:t>bB1</a:t>
+            </a:r>
+          </a:p>
+        </p:txBody>
+      </p:sp>
+      <p:sp>
+        <p:nvSpPr>
+          <p:cNvPr id="51" name="TextBox 50">
+            <a:extLst>
+              <a:ext uri="{FF2B5EF4-FFF2-40B4-BE49-F238E27FC236}">
+                <a16:creationId xmlns:a16="http://schemas.microsoft.com/office/drawing/2014/main" id="{6277CE04-0E70-04D8-129C-2BE4A696BFC2}"/>
+              </a:ext>
+            </a:extLst>
+          </p:cNvPr>
+          <p:cNvSpPr txBox="1"/>
+          <p:nvPr/>
+        </p:nvSpPr>
+        <p:spPr>
+          <a:xfrm>
+            <a:off x="6769982" y="1601075"/>
+            <a:ext cx="1026234" cy="369332"/>
+          </a:xfrm>
+          <a:prstGeom prst="rect">
+            <a:avLst/>
+          </a:prstGeom>
+          <a:noFill/>
+        </p:spPr>
+        <p:txBody>
+          <a:bodyPr wrap="square" rtlCol="0">
+            <a:spAutoFit/>
+          </a:bodyPr>
+          <a:lstStyle/>
+          <a:p>
+            <a:pPr algn="ctr"/>
+            <a:r>
+              <a:rPr lang="en-US" dirty="0"/>
+              <a:t>wQ1</a:t>
+            </a:r>
+          </a:p>
+        </p:txBody>
+      </p:sp>
+      <p:sp>
+        <p:nvSpPr>
+          <p:cNvPr id="52" name="TextBox 51">
+            <a:extLst>
+              <a:ext uri="{FF2B5EF4-FFF2-40B4-BE49-F238E27FC236}">
+                <a16:creationId xmlns:a16="http://schemas.microsoft.com/office/drawing/2014/main" id="{75B3DE3A-BE4E-7730-3CCD-82009E02BEE5}"/>
+              </a:ext>
+            </a:extLst>
+          </p:cNvPr>
+          <p:cNvSpPr txBox="1"/>
+          <p:nvPr/>
+        </p:nvSpPr>
+        <p:spPr>
+          <a:xfrm>
+            <a:off x="3814877" y="2763609"/>
+            <a:ext cx="1026234" cy="369332"/>
+          </a:xfrm>
+          <a:prstGeom prst="rect">
+            <a:avLst/>
+          </a:prstGeom>
+          <a:noFill/>
+        </p:spPr>
+        <p:txBody>
+          <a:bodyPr wrap="square" rtlCol="0">
+            <a:spAutoFit/>
+          </a:bodyPr>
+          <a:lstStyle/>
+          <a:p>
+            <a:pPr algn="ctr"/>
+            <a:r>
+              <a:rPr lang="en-US" dirty="0"/>
+              <a:t>bQ1</a:t>
+            </a:r>
+          </a:p>
+        </p:txBody>
+      </p:sp>
     </p:spTree>
     <p:extLst>
       <p:ext uri="{BB962C8B-B14F-4D97-AF65-F5344CB8AC3E}">
@@ -16037,7 +16181,7 @@
           </p:nvSpPr>
           <p:spPr>
             <a:xfrm>
-              <a:off x="4910544" y="1326889"/>
+              <a:off x="5511924" y="2360358"/>
               <a:ext cx="1026234" cy="369332"/>
             </a:xfrm>
             <a:prstGeom prst="rect">
@@ -16073,7 +16217,7 @@
           </p:nvSpPr>
           <p:spPr>
             <a:xfrm>
-              <a:off x="6092958" y="1326889"/>
+              <a:off x="6686975" y="2387138"/>
               <a:ext cx="1026234" cy="369332"/>
             </a:xfrm>
             <a:prstGeom prst="rect">
@@ -16143,78 +16287,6 @@
         </p:sp>
         <p:sp>
           <p:nvSpPr>
-            <p:cNvPr id="28" name="TextBox 27">
-              <a:extLst>
-                <a:ext uri="{FF2B5EF4-FFF2-40B4-BE49-F238E27FC236}">
-                  <a16:creationId xmlns:a16="http://schemas.microsoft.com/office/drawing/2014/main" id="{2F9C8888-138B-488D-A59D-8EAA6F65E5F3}"/>
-                </a:ext>
-              </a:extLst>
-            </p:cNvPr>
-            <p:cNvSpPr txBox="1"/>
-            <p:nvPr/>
-          </p:nvSpPr>
-          <p:spPr>
-            <a:xfrm>
-              <a:off x="1955449" y="2409240"/>
-              <a:ext cx="1026234" cy="369332"/>
-            </a:xfrm>
-            <a:prstGeom prst="rect">
-              <a:avLst/>
-            </a:prstGeom>
-            <a:noFill/>
-          </p:spPr>
-          <p:txBody>
-            <a:bodyPr wrap="square" rtlCol="0">
-              <a:spAutoFit/>
-            </a:bodyPr>
-            <a:lstStyle/>
-            <a:p>
-              <a:pPr algn="ctr"/>
-              <a:r>
-                <a:rPr lang="en-US" dirty="0"/>
-                <a:t>bB1</a:t>
-              </a:r>
-            </a:p>
-          </p:txBody>
-        </p:sp>
-        <p:sp>
-          <p:nvSpPr>
-            <p:cNvPr id="29" name="TextBox 28">
-              <a:extLst>
-                <a:ext uri="{FF2B5EF4-FFF2-40B4-BE49-F238E27FC236}">
-                  <a16:creationId xmlns:a16="http://schemas.microsoft.com/office/drawing/2014/main" id="{2749FBE5-DD45-4C5F-9020-3F9965192E65}"/>
-                </a:ext>
-              </a:extLst>
-            </p:cNvPr>
-            <p:cNvSpPr txBox="1"/>
-            <p:nvPr/>
-          </p:nvSpPr>
-          <p:spPr>
-            <a:xfrm>
-              <a:off x="4320277" y="2403210"/>
-              <a:ext cx="1026234" cy="369332"/>
-            </a:xfrm>
-            <a:prstGeom prst="rect">
-              <a:avLst/>
-            </a:prstGeom>
-            <a:noFill/>
-          </p:spPr>
-          <p:txBody>
-            <a:bodyPr wrap="square" rtlCol="0">
-              <a:spAutoFit/>
-            </a:bodyPr>
-            <a:lstStyle/>
-            <a:p>
-              <a:pPr algn="ctr"/>
-              <a:r>
-                <a:rPr lang="en-US" dirty="0"/>
-                <a:t>wA2</a:t>
-              </a:r>
-            </a:p>
-          </p:txBody>
-        </p:sp>
-        <p:sp>
-          <p:nvSpPr>
             <p:cNvPr id="31" name="Hexagon 30">
               <a:extLst>
                 <a:ext uri="{FF2B5EF4-FFF2-40B4-BE49-F238E27FC236}">
@@ -16812,6 +16884,78 @@
           </p:txBody>
         </p:sp>
       </p:grpSp>
+      <p:sp>
+        <p:nvSpPr>
+          <p:cNvPr id="46" name="TextBox 45">
+            <a:extLst>
+              <a:ext uri="{FF2B5EF4-FFF2-40B4-BE49-F238E27FC236}">
+                <a16:creationId xmlns:a16="http://schemas.microsoft.com/office/drawing/2014/main" id="{BCC573E4-D659-ADB4-DEA3-8D415766C1A9}"/>
+              </a:ext>
+            </a:extLst>
+          </p:cNvPr>
+          <p:cNvSpPr txBox="1"/>
+          <p:nvPr/>
+        </p:nvSpPr>
+        <p:spPr>
+          <a:xfrm>
+            <a:off x="10886886" y="5418208"/>
+            <a:ext cx="1026234" cy="369332"/>
+          </a:xfrm>
+          <a:prstGeom prst="rect">
+            <a:avLst/>
+          </a:prstGeom>
+          <a:noFill/>
+        </p:spPr>
+        <p:txBody>
+          <a:bodyPr wrap="square" rtlCol="0">
+            <a:spAutoFit/>
+          </a:bodyPr>
+          <a:lstStyle/>
+          <a:p>
+            <a:pPr algn="ctr"/>
+            <a:r>
+              <a:rPr lang="en-US" dirty="0"/>
+              <a:t>wA2</a:t>
+            </a:r>
+          </a:p>
+        </p:txBody>
+      </p:sp>
+      <p:sp>
+        <p:nvSpPr>
+          <p:cNvPr id="47" name="TextBox 46">
+            <a:extLst>
+              <a:ext uri="{FF2B5EF4-FFF2-40B4-BE49-F238E27FC236}">
+                <a16:creationId xmlns:a16="http://schemas.microsoft.com/office/drawing/2014/main" id="{9F6DCD68-1CBE-7AA0-E5E6-FF2C872145F7}"/>
+              </a:ext>
+            </a:extLst>
+          </p:cNvPr>
+          <p:cNvSpPr txBox="1"/>
+          <p:nvPr/>
+        </p:nvSpPr>
+        <p:spPr>
+          <a:xfrm>
+            <a:off x="9786603" y="4409419"/>
+            <a:ext cx="1026234" cy="369332"/>
+          </a:xfrm>
+          <a:prstGeom prst="rect">
+            <a:avLst/>
+          </a:prstGeom>
+          <a:noFill/>
+        </p:spPr>
+        <p:txBody>
+          <a:bodyPr wrap="square" rtlCol="0">
+            <a:spAutoFit/>
+          </a:bodyPr>
+          <a:lstStyle/>
+          <a:p>
+            <a:pPr algn="ctr"/>
+            <a:r>
+              <a:rPr lang="en-US" dirty="0"/>
+              <a:t>bA1</a:t>
+            </a:r>
+          </a:p>
+        </p:txBody>
+      </p:sp>
     </p:spTree>
     <p:extLst>
       <p:ext uri="{BB962C8B-B14F-4D97-AF65-F5344CB8AC3E}">

--- a/hive.pptx
+++ b/hive.pptx
@@ -270,7 +270,7 @@
           <a:p>
             <a:fld id="{09D3105B-3BB3-4DF0-B896-E1E0A5859241}" type="datetimeFigureOut">
               <a:rPr lang="en-US" smtClean="0"/>
-              <a:t>5/10/2022</a:t>
+              <a:t>6/6/2022</a:t>
             </a:fld>
             <a:endParaRPr lang="en-US"/>
           </a:p>
@@ -468,7 +468,7 @@
           <a:p>
             <a:fld id="{09D3105B-3BB3-4DF0-B896-E1E0A5859241}" type="datetimeFigureOut">
               <a:rPr lang="en-US" smtClean="0"/>
-              <a:t>5/10/2022</a:t>
+              <a:t>6/6/2022</a:t>
             </a:fld>
             <a:endParaRPr lang="en-US"/>
           </a:p>
@@ -676,7 +676,7 @@
           <a:p>
             <a:fld id="{09D3105B-3BB3-4DF0-B896-E1E0A5859241}" type="datetimeFigureOut">
               <a:rPr lang="en-US" smtClean="0"/>
-              <a:t>5/10/2022</a:t>
+              <a:t>6/6/2022</a:t>
             </a:fld>
             <a:endParaRPr lang="en-US"/>
           </a:p>
@@ -874,7 +874,7 @@
           <a:p>
             <a:fld id="{09D3105B-3BB3-4DF0-B896-E1E0A5859241}" type="datetimeFigureOut">
               <a:rPr lang="en-US" smtClean="0"/>
-              <a:t>5/10/2022</a:t>
+              <a:t>6/6/2022</a:t>
             </a:fld>
             <a:endParaRPr lang="en-US"/>
           </a:p>
@@ -1149,7 +1149,7 @@
           <a:p>
             <a:fld id="{09D3105B-3BB3-4DF0-B896-E1E0A5859241}" type="datetimeFigureOut">
               <a:rPr lang="en-US" smtClean="0"/>
-              <a:t>5/10/2022</a:t>
+              <a:t>6/6/2022</a:t>
             </a:fld>
             <a:endParaRPr lang="en-US"/>
           </a:p>
@@ -1414,7 +1414,7 @@
           <a:p>
             <a:fld id="{09D3105B-3BB3-4DF0-B896-E1E0A5859241}" type="datetimeFigureOut">
               <a:rPr lang="en-US" smtClean="0"/>
-              <a:t>5/10/2022</a:t>
+              <a:t>6/6/2022</a:t>
             </a:fld>
             <a:endParaRPr lang="en-US"/>
           </a:p>
@@ -1826,7 +1826,7 @@
           <a:p>
             <a:fld id="{09D3105B-3BB3-4DF0-B896-E1E0A5859241}" type="datetimeFigureOut">
               <a:rPr lang="en-US" smtClean="0"/>
-              <a:t>5/10/2022</a:t>
+              <a:t>6/6/2022</a:t>
             </a:fld>
             <a:endParaRPr lang="en-US"/>
           </a:p>
@@ -1967,7 +1967,7 @@
           <a:p>
             <a:fld id="{09D3105B-3BB3-4DF0-B896-E1E0A5859241}" type="datetimeFigureOut">
               <a:rPr lang="en-US" smtClean="0"/>
-              <a:t>5/10/2022</a:t>
+              <a:t>6/6/2022</a:t>
             </a:fld>
             <a:endParaRPr lang="en-US"/>
           </a:p>
@@ -2080,7 +2080,7 @@
           <a:p>
             <a:fld id="{09D3105B-3BB3-4DF0-B896-E1E0A5859241}" type="datetimeFigureOut">
               <a:rPr lang="en-US" smtClean="0"/>
-              <a:t>5/10/2022</a:t>
+              <a:t>6/6/2022</a:t>
             </a:fld>
             <a:endParaRPr lang="en-US"/>
           </a:p>
@@ -2391,7 +2391,7 @@
           <a:p>
             <a:fld id="{09D3105B-3BB3-4DF0-B896-E1E0A5859241}" type="datetimeFigureOut">
               <a:rPr lang="en-US" smtClean="0"/>
-              <a:t>5/10/2022</a:t>
+              <a:t>6/6/2022</a:t>
             </a:fld>
             <a:endParaRPr lang="en-US"/>
           </a:p>
@@ -2679,7 +2679,7 @@
           <a:p>
             <a:fld id="{09D3105B-3BB3-4DF0-B896-E1E0A5859241}" type="datetimeFigureOut">
               <a:rPr lang="en-US" smtClean="0"/>
-              <a:t>5/10/2022</a:t>
+              <a:t>6/6/2022</a:t>
             </a:fld>
             <a:endParaRPr lang="en-US"/>
           </a:p>
@@ -2920,7 +2920,7 @@
           <a:p>
             <a:fld id="{09D3105B-3BB3-4DF0-B896-E1E0A5859241}" type="datetimeFigureOut">
               <a:rPr lang="en-US" smtClean="0"/>
-              <a:t>5/10/2022</a:t>
+              <a:t>6/6/2022</a:t>
             </a:fld>
             <a:endParaRPr lang="en-US"/>
           </a:p>
@@ -17001,9 +17001,9 @@
         <p:grpSpPr>
           <a:xfrm>
             <a:off x="778881" y="1128512"/>
-            <a:ext cx="10634238" cy="4600976"/>
+            <a:ext cx="7683819" cy="4600976"/>
             <a:chOff x="1286151" y="825756"/>
-            <a:chExt cx="10634238" cy="4600976"/>
+            <a:chExt cx="7683819" cy="4600976"/>
           </a:xfrm>
         </p:grpSpPr>
         <p:sp>
@@ -17940,7 +17940,7 @@
           </p:nvSpPr>
           <p:spPr>
             <a:xfrm>
-              <a:off x="4910544" y="1326889"/>
+              <a:off x="4326486" y="4463233"/>
               <a:ext cx="1026234" cy="369332"/>
             </a:xfrm>
             <a:prstGeom prst="rect">
@@ -17964,10 +17964,56 @@
         </p:sp>
         <p:sp>
           <p:nvSpPr>
-            <p:cNvPr id="26" name="TextBox 25">
-              <a:extLst>
-                <a:ext uri="{FF2B5EF4-FFF2-40B4-BE49-F238E27FC236}">
-                  <a16:creationId xmlns:a16="http://schemas.microsoft.com/office/drawing/2014/main" id="{B7D25F5D-6BC4-4CB2-B046-056CC47BE337}"/>
+            <p:cNvPr id="27" name="Hexagon 26">
+              <a:extLst>
+                <a:ext uri="{FF2B5EF4-FFF2-40B4-BE49-F238E27FC236}">
+                  <a16:creationId xmlns:a16="http://schemas.microsoft.com/office/drawing/2014/main" id="{75656F04-88B0-4E1F-BDD5-F5E1CC053862}"/>
+                </a:ext>
+              </a:extLst>
+            </p:cNvPr>
+            <p:cNvSpPr/>
+            <p:nvPr/>
+          </p:nvSpPr>
+          <p:spPr>
+            <a:xfrm rot="16200000">
+              <a:off x="7103629" y="929189"/>
+              <a:ext cx="1371600" cy="1182414"/>
+            </a:xfrm>
+            <a:prstGeom prst="hexagon">
+              <a:avLst/>
+            </a:prstGeom>
+          </p:spPr>
+          <p:style>
+            <a:lnRef idx="2">
+              <a:schemeClr val="accent4">
+                <a:shade val="50000"/>
+              </a:schemeClr>
+            </a:lnRef>
+            <a:fillRef idx="1">
+              <a:schemeClr val="accent4"/>
+            </a:fillRef>
+            <a:effectRef idx="0">
+              <a:schemeClr val="accent4"/>
+            </a:effectRef>
+            <a:fontRef idx="minor">
+              <a:schemeClr val="lt1"/>
+            </a:fontRef>
+          </p:style>
+          <p:txBody>
+            <a:bodyPr rtlCol="0" anchor="ctr"/>
+            <a:lstStyle/>
+            <a:p>
+              <a:pPr algn="ctr"/>
+              <a:endParaRPr lang="en-US" dirty="0"/>
+            </a:p>
+          </p:txBody>
+        </p:sp>
+        <p:sp>
+          <p:nvSpPr>
+            <p:cNvPr id="28" name="TextBox 27">
+              <a:extLst>
+                <a:ext uri="{FF2B5EF4-FFF2-40B4-BE49-F238E27FC236}">
+                  <a16:creationId xmlns:a16="http://schemas.microsoft.com/office/drawing/2014/main" id="{2F9C8888-138B-488D-A59D-8EAA6F65E5F3}"/>
                 </a:ext>
               </a:extLst>
             </p:cNvPr>
@@ -17976,7 +18022,7 @@
           </p:nvSpPr>
           <p:spPr>
             <a:xfrm>
-              <a:off x="6092958" y="1326889"/>
+              <a:off x="3726261" y="3473047"/>
               <a:ext cx="1026234" cy="369332"/>
             </a:xfrm>
             <a:prstGeom prst="rect">
@@ -17993,63 +18039,17 @@
               <a:pPr algn="ctr"/>
               <a:r>
                 <a:rPr lang="en-US" dirty="0"/>
-                <a:t>bA1</a:t>
+                <a:t>bQ1</a:t>
               </a:r>
             </a:p>
           </p:txBody>
         </p:sp>
         <p:sp>
           <p:nvSpPr>
-            <p:cNvPr id="27" name="Hexagon 26">
-              <a:extLst>
-                <a:ext uri="{FF2B5EF4-FFF2-40B4-BE49-F238E27FC236}">
-                  <a16:creationId xmlns:a16="http://schemas.microsoft.com/office/drawing/2014/main" id="{75656F04-88B0-4E1F-BDD5-F5E1CC053862}"/>
-                </a:ext>
-              </a:extLst>
-            </p:cNvPr>
-            <p:cNvSpPr/>
-            <p:nvPr/>
-          </p:nvSpPr>
-          <p:spPr>
-            <a:xfrm rot="16200000">
-              <a:off x="7103629" y="929189"/>
-              <a:ext cx="1371600" cy="1182414"/>
-            </a:xfrm>
-            <a:prstGeom prst="hexagon">
-              <a:avLst/>
-            </a:prstGeom>
-          </p:spPr>
-          <p:style>
-            <a:lnRef idx="2">
-              <a:schemeClr val="accent4">
-                <a:shade val="50000"/>
-              </a:schemeClr>
-            </a:lnRef>
-            <a:fillRef idx="1">
-              <a:schemeClr val="accent4"/>
-            </a:fillRef>
-            <a:effectRef idx="0">
-              <a:schemeClr val="accent4"/>
-            </a:effectRef>
-            <a:fontRef idx="minor">
-              <a:schemeClr val="lt1"/>
-            </a:fontRef>
-          </p:style>
-          <p:txBody>
-            <a:bodyPr rtlCol="0" anchor="ctr"/>
-            <a:lstStyle/>
-            <a:p>
-              <a:pPr algn="ctr"/>
-              <a:endParaRPr lang="en-US" dirty="0"/>
-            </a:p>
-          </p:txBody>
-        </p:sp>
-        <p:sp>
-          <p:nvSpPr>
-            <p:cNvPr id="28" name="TextBox 27">
-              <a:extLst>
-                <a:ext uri="{FF2B5EF4-FFF2-40B4-BE49-F238E27FC236}">
-                  <a16:creationId xmlns:a16="http://schemas.microsoft.com/office/drawing/2014/main" id="{2F9C8888-138B-488D-A59D-8EAA6F65E5F3}"/>
+            <p:cNvPr id="29" name="TextBox 28">
+              <a:extLst>
+                <a:ext uri="{FF2B5EF4-FFF2-40B4-BE49-F238E27FC236}">
+                  <a16:creationId xmlns:a16="http://schemas.microsoft.com/office/drawing/2014/main" id="{2749FBE5-DD45-4C5F-9020-3F9965192E65}"/>
                 </a:ext>
               </a:extLst>
             </p:cNvPr>
@@ -18058,7 +18058,7 @@
           </p:nvSpPr>
           <p:spPr>
             <a:xfrm>
-              <a:off x="1955449" y="2409240"/>
+              <a:off x="3128393" y="4540163"/>
               <a:ext cx="1026234" cy="369332"/>
             </a:xfrm>
             <a:prstGeom prst="rect">
@@ -18075,49 +18075,13 @@
               <a:pPr algn="ctr"/>
               <a:r>
                 <a:rPr lang="en-US" dirty="0"/>
-                <a:t>bB1</a:t>
+                <a:t>wQ2</a:t>
               </a:r>
             </a:p>
           </p:txBody>
         </p:sp>
         <p:sp>
           <p:nvSpPr>
-            <p:cNvPr id="29" name="TextBox 28">
-              <a:extLst>
-                <a:ext uri="{FF2B5EF4-FFF2-40B4-BE49-F238E27FC236}">
-                  <a16:creationId xmlns:a16="http://schemas.microsoft.com/office/drawing/2014/main" id="{2749FBE5-DD45-4C5F-9020-3F9965192E65}"/>
-                </a:ext>
-              </a:extLst>
-            </p:cNvPr>
-            <p:cNvSpPr txBox="1"/>
-            <p:nvPr/>
-          </p:nvSpPr>
-          <p:spPr>
-            <a:xfrm>
-              <a:off x="4320277" y="2403210"/>
-              <a:ext cx="1026234" cy="369332"/>
-            </a:xfrm>
-            <a:prstGeom prst="rect">
-              <a:avLst/>
-            </a:prstGeom>
-            <a:noFill/>
-          </p:spPr>
-          <p:txBody>
-            <a:bodyPr wrap="square" rtlCol="0">
-              <a:spAutoFit/>
-            </a:bodyPr>
-            <a:lstStyle/>
-            <a:p>
-              <a:pPr algn="ctr"/>
-              <a:r>
-                <a:rPr lang="en-US" dirty="0"/>
-                <a:t>wA2</a:t>
-              </a:r>
-            </a:p>
-          </p:txBody>
-        </p:sp>
-        <p:sp>
-          <p:nvSpPr>
             <p:cNvPr id="31" name="Hexagon 30">
               <a:extLst>
                 <a:ext uri="{FF2B5EF4-FFF2-40B4-BE49-F238E27FC236}">
@@ -18164,144 +18128,6 @@
         </p:sp>
         <p:sp>
           <p:nvSpPr>
-            <p:cNvPr id="32" name="Hexagon 31">
-              <a:extLst>
-                <a:ext uri="{FF2B5EF4-FFF2-40B4-BE49-F238E27FC236}">
-                  <a16:creationId xmlns:a16="http://schemas.microsoft.com/office/drawing/2014/main" id="{4EFCE828-5EB2-44AA-8514-C69142EE2CEE}"/>
-                </a:ext>
-              </a:extLst>
-            </p:cNvPr>
-            <p:cNvSpPr/>
-            <p:nvPr/>
-          </p:nvSpPr>
-          <p:spPr>
-            <a:xfrm rot="16200000">
-              <a:off x="8282300" y="3049686"/>
-              <a:ext cx="1371600" cy="1182414"/>
-            </a:xfrm>
-            <a:prstGeom prst="hexagon">
-              <a:avLst/>
-            </a:prstGeom>
-          </p:spPr>
-          <p:style>
-            <a:lnRef idx="2">
-              <a:schemeClr val="accent4">
-                <a:shade val="50000"/>
-              </a:schemeClr>
-            </a:lnRef>
-            <a:fillRef idx="1">
-              <a:schemeClr val="accent4"/>
-            </a:fillRef>
-            <a:effectRef idx="0">
-              <a:schemeClr val="accent4"/>
-            </a:effectRef>
-            <a:fontRef idx="minor">
-              <a:schemeClr val="lt1"/>
-            </a:fontRef>
-          </p:style>
-          <p:txBody>
-            <a:bodyPr rtlCol="0" anchor="ctr"/>
-            <a:lstStyle/>
-            <a:p>
-              <a:pPr algn="ctr"/>
-              <a:endParaRPr lang="en-US" dirty="0"/>
-            </a:p>
-          </p:txBody>
-        </p:sp>
-        <p:sp>
-          <p:nvSpPr>
-            <p:cNvPr id="33" name="Hexagon 32">
-              <a:extLst>
-                <a:ext uri="{FF2B5EF4-FFF2-40B4-BE49-F238E27FC236}">
-                  <a16:creationId xmlns:a16="http://schemas.microsoft.com/office/drawing/2014/main" id="{CA577A72-5FF3-4D02-97F2-0479A960BD46}"/>
-                </a:ext>
-              </a:extLst>
-            </p:cNvPr>
-            <p:cNvSpPr/>
-            <p:nvPr/>
-          </p:nvSpPr>
-          <p:spPr>
-            <a:xfrm rot="16200000">
-              <a:off x="9462841" y="3032004"/>
-              <a:ext cx="1371600" cy="1182414"/>
-            </a:xfrm>
-            <a:prstGeom prst="hexagon">
-              <a:avLst/>
-            </a:prstGeom>
-          </p:spPr>
-          <p:style>
-            <a:lnRef idx="2">
-              <a:schemeClr val="accent4">
-                <a:shade val="50000"/>
-              </a:schemeClr>
-            </a:lnRef>
-            <a:fillRef idx="1">
-              <a:schemeClr val="accent4"/>
-            </a:fillRef>
-            <a:effectRef idx="0">
-              <a:schemeClr val="accent4"/>
-            </a:effectRef>
-            <a:fontRef idx="minor">
-              <a:schemeClr val="lt1"/>
-            </a:fontRef>
-          </p:style>
-          <p:txBody>
-            <a:bodyPr rtlCol="0" anchor="ctr"/>
-            <a:lstStyle/>
-            <a:p>
-              <a:pPr algn="ctr"/>
-              <a:endParaRPr lang="en-US" dirty="0"/>
-            </a:p>
-          </p:txBody>
-        </p:sp>
-        <p:sp>
-          <p:nvSpPr>
-            <p:cNvPr id="34" name="Hexagon 33">
-              <a:extLst>
-                <a:ext uri="{FF2B5EF4-FFF2-40B4-BE49-F238E27FC236}">
-                  <a16:creationId xmlns:a16="http://schemas.microsoft.com/office/drawing/2014/main" id="{B3306349-E8BC-4ECF-8F1F-87742684A0D5}"/>
-                </a:ext>
-              </a:extLst>
-            </p:cNvPr>
-            <p:cNvSpPr/>
-            <p:nvPr/>
-          </p:nvSpPr>
-          <p:spPr>
-            <a:xfrm rot="16200000">
-              <a:off x="10643382" y="3014322"/>
-              <a:ext cx="1371600" cy="1182414"/>
-            </a:xfrm>
-            <a:prstGeom prst="hexagon">
-              <a:avLst/>
-            </a:prstGeom>
-          </p:spPr>
-          <p:style>
-            <a:lnRef idx="2">
-              <a:schemeClr val="accent4">
-                <a:shade val="50000"/>
-              </a:schemeClr>
-            </a:lnRef>
-            <a:fillRef idx="1">
-              <a:schemeClr val="accent4"/>
-            </a:fillRef>
-            <a:effectRef idx="0">
-              <a:schemeClr val="accent4"/>
-            </a:effectRef>
-            <a:fontRef idx="minor">
-              <a:schemeClr val="lt1"/>
-            </a:fontRef>
-          </p:style>
-          <p:txBody>
-            <a:bodyPr rtlCol="0" anchor="ctr"/>
-            <a:lstStyle/>
-            <a:p>
-              <a:pPr algn="ctr"/>
-              <a:endParaRPr lang="en-US" dirty="0"/>
-            </a:p>
-          </p:txBody>
-        </p:sp>
-        <p:sp>
-          <p:nvSpPr>
             <p:cNvPr id="35" name="Hexagon 34">
               <a:extLst>
                 <a:ext uri="{FF2B5EF4-FFF2-40B4-BE49-F238E27FC236}">
@@ -18348,236 +18174,6 @@
         </p:sp>
         <p:sp>
           <p:nvSpPr>
-            <p:cNvPr id="36" name="Hexagon 35">
-              <a:extLst>
-                <a:ext uri="{FF2B5EF4-FFF2-40B4-BE49-F238E27FC236}">
-                  <a16:creationId xmlns:a16="http://schemas.microsoft.com/office/drawing/2014/main" id="{7F62A0E5-3B71-41FE-BC71-AE98E8BF370D}"/>
-                </a:ext>
-              </a:extLst>
-            </p:cNvPr>
-            <p:cNvSpPr/>
-            <p:nvPr/>
-          </p:nvSpPr>
-          <p:spPr>
-            <a:xfrm rot="16200000">
-              <a:off x="8872564" y="2002697"/>
-              <a:ext cx="1371600" cy="1182414"/>
-            </a:xfrm>
-            <a:prstGeom prst="hexagon">
-              <a:avLst/>
-            </a:prstGeom>
-          </p:spPr>
-          <p:style>
-            <a:lnRef idx="2">
-              <a:schemeClr val="accent4">
-                <a:shade val="50000"/>
-              </a:schemeClr>
-            </a:lnRef>
-            <a:fillRef idx="1">
-              <a:schemeClr val="accent4"/>
-            </a:fillRef>
-            <a:effectRef idx="0">
-              <a:schemeClr val="accent4"/>
-            </a:effectRef>
-            <a:fontRef idx="minor">
-              <a:schemeClr val="lt1"/>
-            </a:fontRef>
-          </p:style>
-          <p:txBody>
-            <a:bodyPr rtlCol="0" anchor="ctr"/>
-            <a:lstStyle/>
-            <a:p>
-              <a:pPr algn="ctr"/>
-              <a:endParaRPr lang="en-US" dirty="0"/>
-            </a:p>
-          </p:txBody>
-        </p:sp>
-        <p:sp>
-          <p:nvSpPr>
-            <p:cNvPr id="37" name="Hexagon 36">
-              <a:extLst>
-                <a:ext uri="{FF2B5EF4-FFF2-40B4-BE49-F238E27FC236}">
-                  <a16:creationId xmlns:a16="http://schemas.microsoft.com/office/drawing/2014/main" id="{5F413C4D-50D0-4B16-B8FC-105B914BDA6B}"/>
-                </a:ext>
-              </a:extLst>
-            </p:cNvPr>
-            <p:cNvSpPr/>
-            <p:nvPr/>
-          </p:nvSpPr>
-          <p:spPr>
-            <a:xfrm rot="16200000">
-              <a:off x="10052165" y="2002696"/>
-              <a:ext cx="1371600" cy="1182414"/>
-            </a:xfrm>
-            <a:prstGeom prst="hexagon">
-              <a:avLst/>
-            </a:prstGeom>
-          </p:spPr>
-          <p:style>
-            <a:lnRef idx="2">
-              <a:schemeClr val="accent4">
-                <a:shade val="50000"/>
-              </a:schemeClr>
-            </a:lnRef>
-            <a:fillRef idx="1">
-              <a:schemeClr val="accent4"/>
-            </a:fillRef>
-            <a:effectRef idx="0">
-              <a:schemeClr val="accent4"/>
-            </a:effectRef>
-            <a:fontRef idx="minor">
-              <a:schemeClr val="lt1"/>
-            </a:fontRef>
-          </p:style>
-          <p:txBody>
-            <a:bodyPr rtlCol="0" anchor="ctr"/>
-            <a:lstStyle/>
-            <a:p>
-              <a:pPr algn="ctr"/>
-              <a:endParaRPr lang="en-US" dirty="0"/>
-            </a:p>
-          </p:txBody>
-        </p:sp>
-        <p:sp>
-          <p:nvSpPr>
-            <p:cNvPr id="39" name="Hexagon 38">
-              <a:extLst>
-                <a:ext uri="{FF2B5EF4-FFF2-40B4-BE49-F238E27FC236}">
-                  <a16:creationId xmlns:a16="http://schemas.microsoft.com/office/drawing/2014/main" id="{1D45D52F-570D-47CC-9A59-1CB3BE6D8667}"/>
-                </a:ext>
-              </a:extLst>
-            </p:cNvPr>
-            <p:cNvSpPr/>
-            <p:nvPr/>
-          </p:nvSpPr>
-          <p:spPr>
-            <a:xfrm rot="16200000">
-              <a:off x="8281503" y="929189"/>
-              <a:ext cx="1371600" cy="1182414"/>
-            </a:xfrm>
-            <a:prstGeom prst="hexagon">
-              <a:avLst/>
-            </a:prstGeom>
-          </p:spPr>
-          <p:style>
-            <a:lnRef idx="2">
-              <a:schemeClr val="accent4">
-                <a:shade val="50000"/>
-              </a:schemeClr>
-            </a:lnRef>
-            <a:fillRef idx="1">
-              <a:schemeClr val="accent4"/>
-            </a:fillRef>
-            <a:effectRef idx="0">
-              <a:schemeClr val="accent4"/>
-            </a:effectRef>
-            <a:fontRef idx="minor">
-              <a:schemeClr val="lt1"/>
-            </a:fontRef>
-          </p:style>
-          <p:txBody>
-            <a:bodyPr rtlCol="0" anchor="ctr"/>
-            <a:lstStyle/>
-            <a:p>
-              <a:pPr algn="ctr"/>
-              <a:endParaRPr lang="en-US" dirty="0"/>
-            </a:p>
-          </p:txBody>
-        </p:sp>
-        <p:sp>
-          <p:nvSpPr>
-            <p:cNvPr id="40" name="Hexagon 39">
-              <a:extLst>
-                <a:ext uri="{FF2B5EF4-FFF2-40B4-BE49-F238E27FC236}">
-                  <a16:creationId xmlns:a16="http://schemas.microsoft.com/office/drawing/2014/main" id="{89B50F4C-9F50-4241-B3AF-2C6AD240633E}"/>
-                </a:ext>
-              </a:extLst>
-            </p:cNvPr>
-            <p:cNvSpPr/>
-            <p:nvPr/>
-          </p:nvSpPr>
-          <p:spPr>
-            <a:xfrm rot="16200000">
-              <a:off x="9458291" y="938030"/>
-              <a:ext cx="1371600" cy="1182414"/>
-            </a:xfrm>
-            <a:prstGeom prst="hexagon">
-              <a:avLst/>
-            </a:prstGeom>
-          </p:spPr>
-          <p:style>
-            <a:lnRef idx="2">
-              <a:schemeClr val="accent4">
-                <a:shade val="50000"/>
-              </a:schemeClr>
-            </a:lnRef>
-            <a:fillRef idx="1">
-              <a:schemeClr val="accent4"/>
-            </a:fillRef>
-            <a:effectRef idx="0">
-              <a:schemeClr val="accent4"/>
-            </a:effectRef>
-            <a:fontRef idx="minor">
-              <a:schemeClr val="lt1"/>
-            </a:fontRef>
-          </p:style>
-          <p:txBody>
-            <a:bodyPr rtlCol="0" anchor="ctr"/>
-            <a:lstStyle/>
-            <a:p>
-              <a:pPr algn="ctr"/>
-              <a:endParaRPr lang="en-US" dirty="0"/>
-            </a:p>
-          </p:txBody>
-        </p:sp>
-        <p:sp>
-          <p:nvSpPr>
-            <p:cNvPr id="41" name="Hexagon 40">
-              <a:extLst>
-                <a:ext uri="{FF2B5EF4-FFF2-40B4-BE49-F238E27FC236}">
-                  <a16:creationId xmlns:a16="http://schemas.microsoft.com/office/drawing/2014/main" id="{A5F4803D-D0CE-4FDC-A7CC-52B13691482D}"/>
-                </a:ext>
-              </a:extLst>
-            </p:cNvPr>
-            <p:cNvSpPr/>
-            <p:nvPr/>
-          </p:nvSpPr>
-          <p:spPr>
-            <a:xfrm rot="16200000">
-              <a:off x="10635079" y="946871"/>
-              <a:ext cx="1371600" cy="1182414"/>
-            </a:xfrm>
-            <a:prstGeom prst="hexagon">
-              <a:avLst/>
-            </a:prstGeom>
-          </p:spPr>
-          <p:style>
-            <a:lnRef idx="2">
-              <a:schemeClr val="accent4">
-                <a:shade val="50000"/>
-              </a:schemeClr>
-            </a:lnRef>
-            <a:fillRef idx="1">
-              <a:schemeClr val="accent4"/>
-            </a:fillRef>
-            <a:effectRef idx="0">
-              <a:schemeClr val="accent4"/>
-            </a:effectRef>
-            <a:fontRef idx="minor">
-              <a:schemeClr val="lt1"/>
-            </a:fontRef>
-          </p:style>
-          <p:txBody>
-            <a:bodyPr rtlCol="0" anchor="ctr"/>
-            <a:lstStyle/>
-            <a:p>
-              <a:pPr algn="ctr"/>
-              <a:endParaRPr lang="en-US" dirty="0"/>
-            </a:p>
-          </p:txBody>
-        </p:sp>
-        <p:sp>
-          <p:nvSpPr>
             <p:cNvPr id="42" name="Hexagon 41">
               <a:extLst>
                 <a:ext uri="{FF2B5EF4-FFF2-40B4-BE49-F238E27FC236}">
@@ -18622,99 +18218,319 @@
             </a:p>
           </p:txBody>
         </p:sp>
-        <p:sp>
-          <p:nvSpPr>
-            <p:cNvPr id="43" name="Hexagon 42">
-              <a:extLst>
-                <a:ext uri="{FF2B5EF4-FFF2-40B4-BE49-F238E27FC236}">
-                  <a16:creationId xmlns:a16="http://schemas.microsoft.com/office/drawing/2014/main" id="{6580E986-2E74-40C5-9185-FA831D9E36C6}"/>
-                </a:ext>
-              </a:extLst>
-            </p:cNvPr>
-            <p:cNvSpPr/>
-            <p:nvPr/>
-          </p:nvSpPr>
-          <p:spPr>
-            <a:xfrm rot="16200000">
-              <a:off x="8868823" y="4114355"/>
-              <a:ext cx="1371600" cy="1182414"/>
-            </a:xfrm>
-            <a:prstGeom prst="hexagon">
-              <a:avLst/>
-            </a:prstGeom>
-          </p:spPr>
-          <p:style>
-            <a:lnRef idx="2">
-              <a:schemeClr val="accent4">
-                <a:shade val="50000"/>
-              </a:schemeClr>
-            </a:lnRef>
-            <a:fillRef idx="1">
-              <a:schemeClr val="accent4"/>
-            </a:fillRef>
-            <a:effectRef idx="0">
-              <a:schemeClr val="accent4"/>
-            </a:effectRef>
-            <a:fontRef idx="minor">
-              <a:schemeClr val="lt1"/>
-            </a:fontRef>
-          </p:style>
-          <p:txBody>
-            <a:bodyPr rtlCol="0" anchor="ctr"/>
-            <a:lstStyle/>
-            <a:p>
-              <a:pPr algn="ctr"/>
-              <a:endParaRPr lang="en-US" dirty="0"/>
-            </a:p>
-          </p:txBody>
-        </p:sp>
-        <p:sp>
-          <p:nvSpPr>
-            <p:cNvPr id="44" name="Hexagon 43">
-              <a:extLst>
-                <a:ext uri="{FF2B5EF4-FFF2-40B4-BE49-F238E27FC236}">
-                  <a16:creationId xmlns:a16="http://schemas.microsoft.com/office/drawing/2014/main" id="{29843320-3783-45C8-878E-4320D3057BAE}"/>
-                </a:ext>
-              </a:extLst>
-            </p:cNvPr>
-            <p:cNvSpPr/>
-            <p:nvPr/>
-          </p:nvSpPr>
-          <p:spPr>
-            <a:xfrm rot="16200000">
-              <a:off x="10047490" y="4096673"/>
-              <a:ext cx="1371600" cy="1182414"/>
-            </a:xfrm>
-            <a:prstGeom prst="hexagon">
-              <a:avLst/>
-            </a:prstGeom>
-          </p:spPr>
-          <p:style>
-            <a:lnRef idx="2">
-              <a:schemeClr val="accent4">
-                <a:shade val="50000"/>
-              </a:schemeClr>
-            </a:lnRef>
-            <a:fillRef idx="1">
-              <a:schemeClr val="accent4"/>
-            </a:fillRef>
-            <a:effectRef idx="0">
-              <a:schemeClr val="accent4"/>
-            </a:effectRef>
-            <a:fontRef idx="minor">
-              <a:schemeClr val="lt1"/>
-            </a:fontRef>
-          </p:style>
-          <p:txBody>
-            <a:bodyPr rtlCol="0" anchor="ctr"/>
-            <a:lstStyle/>
-            <a:p>
-              <a:pPr algn="ctr"/>
-              <a:endParaRPr lang="en-US" dirty="0"/>
-            </a:p>
-          </p:txBody>
-        </p:sp>
       </p:grpSp>
+      <p:sp>
+        <p:nvSpPr>
+          <p:cNvPr id="46" name="Hexagon 45">
+            <a:extLst>
+              <a:ext uri="{FF2B5EF4-FFF2-40B4-BE49-F238E27FC236}">
+                <a16:creationId xmlns:a16="http://schemas.microsoft.com/office/drawing/2014/main" id="{0C321C6E-201A-3A22-4060-AAAE20ADB08D}"/>
+              </a:ext>
+            </a:extLst>
+          </p:cNvPr>
+          <p:cNvSpPr/>
+          <p:nvPr/>
+        </p:nvSpPr>
+        <p:spPr>
+          <a:xfrm rot="16200000">
+            <a:off x="1866703" y="5522316"/>
+            <a:ext cx="1371600" cy="1182414"/>
+          </a:xfrm>
+          <a:prstGeom prst="hexagon">
+            <a:avLst/>
+          </a:prstGeom>
+        </p:spPr>
+        <p:style>
+          <a:lnRef idx="2">
+            <a:schemeClr val="accent4">
+              <a:shade val="50000"/>
+            </a:schemeClr>
+          </a:lnRef>
+          <a:fillRef idx="1">
+            <a:schemeClr val="accent4"/>
+          </a:fillRef>
+          <a:effectRef idx="0">
+            <a:schemeClr val="accent4"/>
+          </a:effectRef>
+          <a:fontRef idx="minor">
+            <a:schemeClr val="lt1"/>
+          </a:fontRef>
+        </p:style>
+        <p:txBody>
+          <a:bodyPr rtlCol="0" anchor="ctr"/>
+          <a:lstStyle/>
+          <a:p>
+            <a:pPr algn="ctr"/>
+            <a:endParaRPr lang="en-US" dirty="0"/>
+          </a:p>
+        </p:txBody>
+      </p:sp>
+      <p:sp>
+        <p:nvSpPr>
+          <p:cNvPr id="47" name="Hexagon 46">
+            <a:extLst>
+              <a:ext uri="{FF2B5EF4-FFF2-40B4-BE49-F238E27FC236}">
+                <a16:creationId xmlns:a16="http://schemas.microsoft.com/office/drawing/2014/main" id="{9B5C1895-51D8-38B8-50F7-D02DC728112D}"/>
+              </a:ext>
+            </a:extLst>
+          </p:cNvPr>
+          <p:cNvSpPr/>
+          <p:nvPr/>
+        </p:nvSpPr>
+        <p:spPr>
+          <a:xfrm rot="16200000">
+            <a:off x="3049117" y="5522316"/>
+            <a:ext cx="1371600" cy="1182414"/>
+          </a:xfrm>
+          <a:prstGeom prst="hexagon">
+            <a:avLst/>
+          </a:prstGeom>
+        </p:spPr>
+        <p:style>
+          <a:lnRef idx="2">
+            <a:schemeClr val="accent4">
+              <a:shade val="50000"/>
+            </a:schemeClr>
+          </a:lnRef>
+          <a:fillRef idx="1">
+            <a:schemeClr val="accent4"/>
+          </a:fillRef>
+          <a:effectRef idx="0">
+            <a:schemeClr val="accent4"/>
+          </a:effectRef>
+          <a:fontRef idx="minor">
+            <a:schemeClr val="lt1"/>
+          </a:fontRef>
+        </p:style>
+        <p:txBody>
+          <a:bodyPr rtlCol="0" anchor="ctr"/>
+          <a:lstStyle/>
+          <a:p>
+            <a:pPr algn="ctr"/>
+            <a:endParaRPr lang="en-US"/>
+          </a:p>
+        </p:txBody>
+      </p:sp>
+      <p:sp>
+        <p:nvSpPr>
+          <p:cNvPr id="48" name="Hexagon 47">
+            <a:extLst>
+              <a:ext uri="{FF2B5EF4-FFF2-40B4-BE49-F238E27FC236}">
+                <a16:creationId xmlns:a16="http://schemas.microsoft.com/office/drawing/2014/main" id="{5BEF32DC-6E79-C8EE-F731-DFCD6C9BB824}"/>
+              </a:ext>
+            </a:extLst>
+          </p:cNvPr>
+          <p:cNvSpPr/>
+          <p:nvPr/>
+        </p:nvSpPr>
+        <p:spPr>
+          <a:xfrm rot="16200000">
+            <a:off x="4231531" y="5522316"/>
+            <a:ext cx="1371600" cy="1182414"/>
+          </a:xfrm>
+          <a:prstGeom prst="hexagon">
+            <a:avLst/>
+          </a:prstGeom>
+        </p:spPr>
+        <p:style>
+          <a:lnRef idx="2">
+            <a:schemeClr val="accent4">
+              <a:shade val="50000"/>
+            </a:schemeClr>
+          </a:lnRef>
+          <a:fillRef idx="1">
+            <a:schemeClr val="accent4"/>
+          </a:fillRef>
+          <a:effectRef idx="0">
+            <a:schemeClr val="accent4"/>
+          </a:effectRef>
+          <a:fontRef idx="minor">
+            <a:schemeClr val="lt1"/>
+          </a:fontRef>
+        </p:style>
+        <p:txBody>
+          <a:bodyPr rtlCol="0" anchor="ctr"/>
+          <a:lstStyle/>
+          <a:p>
+            <a:pPr algn="ctr"/>
+            <a:endParaRPr lang="en-US"/>
+          </a:p>
+        </p:txBody>
+      </p:sp>
+      <p:sp>
+        <p:nvSpPr>
+          <p:cNvPr id="49" name="Hexagon 48">
+            <a:extLst>
+              <a:ext uri="{FF2B5EF4-FFF2-40B4-BE49-F238E27FC236}">
+                <a16:creationId xmlns:a16="http://schemas.microsoft.com/office/drawing/2014/main" id="{1E9973AF-BAE4-1E87-CD70-0DD2C764EF30}"/>
+              </a:ext>
+            </a:extLst>
+          </p:cNvPr>
+          <p:cNvSpPr/>
+          <p:nvPr/>
+        </p:nvSpPr>
+        <p:spPr>
+          <a:xfrm rot="16200000">
+            <a:off x="5413945" y="5522316"/>
+            <a:ext cx="1371600" cy="1182414"/>
+          </a:xfrm>
+          <a:prstGeom prst="hexagon">
+            <a:avLst/>
+          </a:prstGeom>
+        </p:spPr>
+        <p:style>
+          <a:lnRef idx="2">
+            <a:schemeClr val="accent4">
+              <a:shade val="50000"/>
+            </a:schemeClr>
+          </a:lnRef>
+          <a:fillRef idx="1">
+            <a:schemeClr val="accent4"/>
+          </a:fillRef>
+          <a:effectRef idx="0">
+            <a:schemeClr val="accent4"/>
+          </a:effectRef>
+          <a:fontRef idx="minor">
+            <a:schemeClr val="lt1"/>
+          </a:fontRef>
+        </p:style>
+        <p:txBody>
+          <a:bodyPr rtlCol="0" anchor="ctr"/>
+          <a:lstStyle/>
+          <a:p>
+            <a:pPr algn="ctr"/>
+            <a:endParaRPr lang="en-US"/>
+          </a:p>
+        </p:txBody>
+      </p:sp>
+      <p:sp>
+        <p:nvSpPr>
+          <p:cNvPr id="50" name="Hexagon 49">
+            <a:extLst>
+              <a:ext uri="{FF2B5EF4-FFF2-40B4-BE49-F238E27FC236}">
+                <a16:creationId xmlns:a16="http://schemas.microsoft.com/office/drawing/2014/main" id="{51EE41F9-552F-24B3-6376-7B4C2D473DCD}"/>
+              </a:ext>
+            </a:extLst>
+          </p:cNvPr>
+          <p:cNvSpPr/>
+          <p:nvPr/>
+        </p:nvSpPr>
+        <p:spPr>
+          <a:xfrm rot="16200000">
+            <a:off x="684289" y="5522316"/>
+            <a:ext cx="1371600" cy="1182414"/>
+          </a:xfrm>
+          <a:prstGeom prst="hexagon">
+            <a:avLst/>
+          </a:prstGeom>
+        </p:spPr>
+        <p:style>
+          <a:lnRef idx="2">
+            <a:schemeClr val="accent4">
+              <a:shade val="50000"/>
+            </a:schemeClr>
+          </a:lnRef>
+          <a:fillRef idx="1">
+            <a:schemeClr val="accent4"/>
+          </a:fillRef>
+          <a:effectRef idx="0">
+            <a:schemeClr val="accent4"/>
+          </a:effectRef>
+          <a:fontRef idx="minor">
+            <a:schemeClr val="lt1"/>
+          </a:fontRef>
+        </p:style>
+        <p:txBody>
+          <a:bodyPr rtlCol="0" anchor="ctr"/>
+          <a:lstStyle/>
+          <a:p>
+            <a:pPr algn="ctr"/>
+            <a:endParaRPr lang="en-US" dirty="0"/>
+          </a:p>
+        </p:txBody>
+      </p:sp>
+      <p:sp>
+        <p:nvSpPr>
+          <p:cNvPr id="51" name="Hexagon 50">
+            <a:extLst>
+              <a:ext uri="{FF2B5EF4-FFF2-40B4-BE49-F238E27FC236}">
+                <a16:creationId xmlns:a16="http://schemas.microsoft.com/office/drawing/2014/main" id="{F2CADE76-B963-7E56-80BB-F1A9832F39D6}"/>
+              </a:ext>
+            </a:extLst>
+          </p:cNvPr>
+          <p:cNvSpPr/>
+          <p:nvPr/>
+        </p:nvSpPr>
+        <p:spPr>
+          <a:xfrm rot="16200000">
+            <a:off x="6596359" y="5531156"/>
+            <a:ext cx="1371600" cy="1182414"/>
+          </a:xfrm>
+          <a:prstGeom prst="hexagon">
+            <a:avLst/>
+          </a:prstGeom>
+        </p:spPr>
+        <p:style>
+          <a:lnRef idx="2">
+            <a:schemeClr val="accent4">
+              <a:shade val="50000"/>
+            </a:schemeClr>
+          </a:lnRef>
+          <a:fillRef idx="1">
+            <a:schemeClr val="accent4"/>
+          </a:fillRef>
+          <a:effectRef idx="0">
+            <a:schemeClr val="accent4"/>
+          </a:effectRef>
+          <a:fontRef idx="minor">
+            <a:schemeClr val="lt1"/>
+          </a:fontRef>
+        </p:style>
+        <p:txBody>
+          <a:bodyPr rtlCol="0" anchor="ctr"/>
+          <a:lstStyle/>
+          <a:p>
+            <a:pPr algn="ctr"/>
+            <a:endParaRPr lang="en-US" dirty="0"/>
+          </a:p>
+        </p:txBody>
+      </p:sp>
+      <p:sp>
+        <p:nvSpPr>
+          <p:cNvPr id="52" name="TextBox 51">
+            <a:extLst>
+              <a:ext uri="{FF2B5EF4-FFF2-40B4-BE49-F238E27FC236}">
+                <a16:creationId xmlns:a16="http://schemas.microsoft.com/office/drawing/2014/main" id="{E848A8CD-BCE4-61A6-9DAA-D090AE9989BB}"/>
+              </a:ext>
+            </a:extLst>
+          </p:cNvPr>
+          <p:cNvSpPr txBox="1"/>
+          <p:nvPr/>
+        </p:nvSpPr>
+        <p:spPr>
+          <a:xfrm>
+            <a:off x="5017275" y="2665699"/>
+            <a:ext cx="1026234" cy="369332"/>
+          </a:xfrm>
+          <a:prstGeom prst="rect">
+            <a:avLst/>
+          </a:prstGeom>
+          <a:noFill/>
+        </p:spPr>
+        <p:txBody>
+          <a:bodyPr wrap="square" rtlCol="0">
+            <a:spAutoFit/>
+          </a:bodyPr>
+          <a:lstStyle/>
+          <a:p>
+            <a:pPr algn="ctr"/>
+            <a:r>
+              <a:rPr lang="en-US" dirty="0"/>
+              <a:t>bB1</a:t>
+            </a:r>
+          </a:p>
+        </p:txBody>
+      </p:sp>
     </p:spTree>
     <p:extLst>
       <p:ext uri="{BB962C8B-B14F-4D97-AF65-F5344CB8AC3E}">

--- a/hive.pptx
+++ b/hive.pptx
@@ -270,7 +270,7 @@
           <a:p>
             <a:fld id="{09D3105B-3BB3-4DF0-B896-E1E0A5859241}" type="datetimeFigureOut">
               <a:rPr lang="en-US" smtClean="0"/>
-              <a:t>6/6/2022</a:t>
+              <a:t>6/20/2022</a:t>
             </a:fld>
             <a:endParaRPr lang="en-US"/>
           </a:p>
@@ -468,7 +468,7 @@
           <a:p>
             <a:fld id="{09D3105B-3BB3-4DF0-B896-E1E0A5859241}" type="datetimeFigureOut">
               <a:rPr lang="en-US" smtClean="0"/>
-              <a:t>6/6/2022</a:t>
+              <a:t>6/20/2022</a:t>
             </a:fld>
             <a:endParaRPr lang="en-US"/>
           </a:p>
@@ -676,7 +676,7 @@
           <a:p>
             <a:fld id="{09D3105B-3BB3-4DF0-B896-E1E0A5859241}" type="datetimeFigureOut">
               <a:rPr lang="en-US" smtClean="0"/>
-              <a:t>6/6/2022</a:t>
+              <a:t>6/20/2022</a:t>
             </a:fld>
             <a:endParaRPr lang="en-US"/>
           </a:p>
@@ -874,7 +874,7 @@
           <a:p>
             <a:fld id="{09D3105B-3BB3-4DF0-B896-E1E0A5859241}" type="datetimeFigureOut">
               <a:rPr lang="en-US" smtClean="0"/>
-              <a:t>6/6/2022</a:t>
+              <a:t>6/20/2022</a:t>
             </a:fld>
             <a:endParaRPr lang="en-US"/>
           </a:p>
@@ -1149,7 +1149,7 @@
           <a:p>
             <a:fld id="{09D3105B-3BB3-4DF0-B896-E1E0A5859241}" type="datetimeFigureOut">
               <a:rPr lang="en-US" smtClean="0"/>
-              <a:t>6/6/2022</a:t>
+              <a:t>6/20/2022</a:t>
             </a:fld>
             <a:endParaRPr lang="en-US"/>
           </a:p>
@@ -1414,7 +1414,7 @@
           <a:p>
             <a:fld id="{09D3105B-3BB3-4DF0-B896-E1E0A5859241}" type="datetimeFigureOut">
               <a:rPr lang="en-US" smtClean="0"/>
-              <a:t>6/6/2022</a:t>
+              <a:t>6/20/2022</a:t>
             </a:fld>
             <a:endParaRPr lang="en-US"/>
           </a:p>
@@ -1826,7 +1826,7 @@
           <a:p>
             <a:fld id="{09D3105B-3BB3-4DF0-B896-E1E0A5859241}" type="datetimeFigureOut">
               <a:rPr lang="en-US" smtClean="0"/>
-              <a:t>6/6/2022</a:t>
+              <a:t>6/20/2022</a:t>
             </a:fld>
             <a:endParaRPr lang="en-US"/>
           </a:p>
@@ -1967,7 +1967,7 @@
           <a:p>
             <a:fld id="{09D3105B-3BB3-4DF0-B896-E1E0A5859241}" type="datetimeFigureOut">
               <a:rPr lang="en-US" smtClean="0"/>
-              <a:t>6/6/2022</a:t>
+              <a:t>6/20/2022</a:t>
             </a:fld>
             <a:endParaRPr lang="en-US"/>
           </a:p>
@@ -2080,7 +2080,7 @@
           <a:p>
             <a:fld id="{09D3105B-3BB3-4DF0-B896-E1E0A5859241}" type="datetimeFigureOut">
               <a:rPr lang="en-US" smtClean="0"/>
-              <a:t>6/6/2022</a:t>
+              <a:t>6/20/2022</a:t>
             </a:fld>
             <a:endParaRPr lang="en-US"/>
           </a:p>
@@ -2391,7 +2391,7 @@
           <a:p>
             <a:fld id="{09D3105B-3BB3-4DF0-B896-E1E0A5859241}" type="datetimeFigureOut">
               <a:rPr lang="en-US" smtClean="0"/>
-              <a:t>6/6/2022</a:t>
+              <a:t>6/20/2022</a:t>
             </a:fld>
             <a:endParaRPr lang="en-US"/>
           </a:p>
@@ -2679,7 +2679,7 @@
           <a:p>
             <a:fld id="{09D3105B-3BB3-4DF0-B896-E1E0A5859241}" type="datetimeFigureOut">
               <a:rPr lang="en-US" smtClean="0"/>
-              <a:t>6/6/2022</a:t>
+              <a:t>6/20/2022</a:t>
             </a:fld>
             <a:endParaRPr lang="en-US"/>
           </a:p>
@@ -2920,7 +2920,7 @@
           <a:p>
             <a:fld id="{09D3105B-3BB3-4DF0-B896-E1E0A5859241}" type="datetimeFigureOut">
               <a:rPr lang="en-US" smtClean="0"/>
-              <a:t>6/6/2022</a:t>
+              <a:t>6/20/2022</a:t>
             </a:fld>
             <a:endParaRPr lang="en-US"/>
           </a:p>
@@ -10579,7 +10579,7 @@
         </p:nvGrpSpPr>
         <p:grpSpPr>
           <a:xfrm>
-            <a:off x="778878" y="0"/>
+            <a:off x="778878" y="-29818"/>
             <a:ext cx="10634238" cy="4600976"/>
             <a:chOff x="1286151" y="825756"/>
             <a:chExt cx="10634238" cy="4600976"/>
@@ -11552,42 +11552,6 @@
             <a:p>
               <a:pPr algn="ctr"/>
               <a:endParaRPr lang="en-US" dirty="0"/>
-            </a:p>
-          </p:txBody>
-        </p:sp>
-        <p:sp>
-          <p:nvSpPr>
-            <p:cNvPr id="29" name="TextBox 28">
-              <a:extLst>
-                <a:ext uri="{FF2B5EF4-FFF2-40B4-BE49-F238E27FC236}">
-                  <a16:creationId xmlns:a16="http://schemas.microsoft.com/office/drawing/2014/main" id="{2749FBE5-DD45-4C5F-9020-3F9965192E65}"/>
-                </a:ext>
-              </a:extLst>
-            </p:cNvPr>
-            <p:cNvSpPr txBox="1"/>
-            <p:nvPr/>
-          </p:nvSpPr>
-          <p:spPr>
-            <a:xfrm>
-              <a:off x="6099521" y="3496978"/>
-              <a:ext cx="1026234" cy="369332"/>
-            </a:xfrm>
-            <a:prstGeom prst="rect">
-              <a:avLst/>
-            </a:prstGeom>
-            <a:noFill/>
-          </p:spPr>
-          <p:txBody>
-            <a:bodyPr wrap="square" rtlCol="0">
-              <a:spAutoFit/>
-            </a:bodyPr>
-            <a:lstStyle/>
-            <a:p>
-              <a:pPr algn="ctr"/>
-              <a:r>
-                <a:rPr lang="en-US" dirty="0"/>
-                <a:t>spider</a:t>
-              </a:r>
             </a:p>
           </p:txBody>
         </p:sp>
@@ -13294,6 +13258,438 @@
           </a:p>
         </p:txBody>
       </p:sp>
+      <p:sp>
+        <p:nvSpPr>
+          <p:cNvPr id="62" name="TextBox 61">
+            <a:extLst>
+              <a:ext uri="{FF2B5EF4-FFF2-40B4-BE49-F238E27FC236}">
+                <a16:creationId xmlns:a16="http://schemas.microsoft.com/office/drawing/2014/main" id="{4FB149A9-5BAD-E9D6-530A-6BC30A1718BA}"/>
+              </a:ext>
+            </a:extLst>
+          </p:cNvPr>
+          <p:cNvSpPr txBox="1"/>
+          <p:nvPr/>
+        </p:nvSpPr>
+        <p:spPr>
+          <a:xfrm>
+            <a:off x="11308790" y="6017665"/>
+            <a:ext cx="1026234" cy="369332"/>
+          </a:xfrm>
+          <a:prstGeom prst="rect">
+            <a:avLst/>
+          </a:prstGeom>
+          <a:noFill/>
+        </p:spPr>
+        <p:txBody>
+          <a:bodyPr wrap="square" rtlCol="0">
+            <a:spAutoFit/>
+          </a:bodyPr>
+          <a:lstStyle/>
+          <a:p>
+            <a:pPr algn="ctr"/>
+            <a:r>
+              <a:rPr lang="en-US" dirty="0"/>
+              <a:t>wA1</a:t>
+            </a:r>
+          </a:p>
+        </p:txBody>
+      </p:sp>
+      <p:sp>
+        <p:nvSpPr>
+          <p:cNvPr id="63" name="TextBox 62">
+            <a:extLst>
+              <a:ext uri="{FF2B5EF4-FFF2-40B4-BE49-F238E27FC236}">
+                <a16:creationId xmlns:a16="http://schemas.microsoft.com/office/drawing/2014/main" id="{C6BF0498-674E-881C-6897-31195AD45E7D}"/>
+              </a:ext>
+            </a:extLst>
+          </p:cNvPr>
+          <p:cNvSpPr txBox="1"/>
+          <p:nvPr/>
+        </p:nvSpPr>
+        <p:spPr>
+          <a:xfrm>
+            <a:off x="4398593" y="2643363"/>
+            <a:ext cx="1026234" cy="369332"/>
+          </a:xfrm>
+          <a:prstGeom prst="rect">
+            <a:avLst/>
+          </a:prstGeom>
+          <a:noFill/>
+        </p:spPr>
+        <p:txBody>
+          <a:bodyPr wrap="square" rtlCol="0">
+            <a:spAutoFit/>
+          </a:bodyPr>
+          <a:lstStyle/>
+          <a:p>
+            <a:pPr algn="ctr"/>
+            <a:r>
+              <a:rPr lang="en-US" dirty="0"/>
+              <a:t>wA1</a:t>
+            </a:r>
+          </a:p>
+        </p:txBody>
+      </p:sp>
+      <p:sp>
+        <p:nvSpPr>
+          <p:cNvPr id="64" name="TextBox 63">
+            <a:extLst>
+              <a:ext uri="{FF2B5EF4-FFF2-40B4-BE49-F238E27FC236}">
+                <a16:creationId xmlns:a16="http://schemas.microsoft.com/office/drawing/2014/main" id="{14235F62-B707-6227-3872-13092D367731}"/>
+              </a:ext>
+            </a:extLst>
+          </p:cNvPr>
+          <p:cNvSpPr txBox="1"/>
+          <p:nvPr/>
+        </p:nvSpPr>
+        <p:spPr>
+          <a:xfrm>
+            <a:off x="3820495" y="3720559"/>
+            <a:ext cx="1026234" cy="369332"/>
+          </a:xfrm>
+          <a:prstGeom prst="rect">
+            <a:avLst/>
+          </a:prstGeom>
+          <a:noFill/>
+        </p:spPr>
+        <p:txBody>
+          <a:bodyPr wrap="square" rtlCol="0">
+            <a:spAutoFit/>
+          </a:bodyPr>
+          <a:lstStyle/>
+          <a:p>
+            <a:pPr algn="ctr"/>
+            <a:r>
+              <a:rPr lang="en-US" dirty="0"/>
+              <a:t>wA1</a:t>
+            </a:r>
+          </a:p>
+        </p:txBody>
+      </p:sp>
+      <p:sp>
+        <p:nvSpPr>
+          <p:cNvPr id="65" name="TextBox 64">
+            <a:extLst>
+              <a:ext uri="{FF2B5EF4-FFF2-40B4-BE49-F238E27FC236}">
+                <a16:creationId xmlns:a16="http://schemas.microsoft.com/office/drawing/2014/main" id="{116DE414-80D2-9ACA-660B-1BFE60AC80B2}"/>
+              </a:ext>
+            </a:extLst>
+          </p:cNvPr>
+          <p:cNvSpPr txBox="1"/>
+          <p:nvPr/>
+        </p:nvSpPr>
+        <p:spPr>
+          <a:xfrm>
+            <a:off x="6105365" y="1584585"/>
+            <a:ext cx="1026234" cy="369332"/>
+          </a:xfrm>
+          <a:prstGeom prst="rect">
+            <a:avLst/>
+          </a:prstGeom>
+          <a:noFill/>
+        </p:spPr>
+        <p:txBody>
+          <a:bodyPr wrap="square" rtlCol="0">
+            <a:spAutoFit/>
+          </a:bodyPr>
+          <a:lstStyle/>
+          <a:p>
+            <a:pPr algn="ctr"/>
+            <a:r>
+              <a:rPr lang="en-US" dirty="0"/>
+              <a:t>wA1</a:t>
+            </a:r>
+          </a:p>
+        </p:txBody>
+      </p:sp>
+      <p:sp>
+        <p:nvSpPr>
+          <p:cNvPr id="66" name="TextBox 65">
+            <a:extLst>
+              <a:ext uri="{FF2B5EF4-FFF2-40B4-BE49-F238E27FC236}">
+                <a16:creationId xmlns:a16="http://schemas.microsoft.com/office/drawing/2014/main" id="{C558041C-6233-0AB8-223D-007804508849}"/>
+              </a:ext>
+            </a:extLst>
+          </p:cNvPr>
+          <p:cNvSpPr txBox="1"/>
+          <p:nvPr/>
+        </p:nvSpPr>
+        <p:spPr>
+          <a:xfrm>
+            <a:off x="3277307" y="4768648"/>
+            <a:ext cx="1026234" cy="369332"/>
+          </a:xfrm>
+          <a:prstGeom prst="rect">
+            <a:avLst/>
+          </a:prstGeom>
+          <a:noFill/>
+        </p:spPr>
+        <p:txBody>
+          <a:bodyPr wrap="square" rtlCol="0">
+            <a:spAutoFit/>
+          </a:bodyPr>
+          <a:lstStyle/>
+          <a:p>
+            <a:pPr algn="ctr"/>
+            <a:r>
+              <a:rPr lang="en-US" dirty="0"/>
+              <a:t>wA1</a:t>
+            </a:r>
+          </a:p>
+        </p:txBody>
+      </p:sp>
+      <p:sp>
+        <p:nvSpPr>
+          <p:cNvPr id="67" name="TextBox 66">
+            <a:extLst>
+              <a:ext uri="{FF2B5EF4-FFF2-40B4-BE49-F238E27FC236}">
+                <a16:creationId xmlns:a16="http://schemas.microsoft.com/office/drawing/2014/main" id="{E35B5454-5130-2427-6DF4-504332A6A820}"/>
+              </a:ext>
+            </a:extLst>
+          </p:cNvPr>
+          <p:cNvSpPr txBox="1"/>
+          <p:nvPr/>
+        </p:nvSpPr>
+        <p:spPr>
+          <a:xfrm>
+            <a:off x="3203869" y="2616148"/>
+            <a:ext cx="1026234" cy="369332"/>
+          </a:xfrm>
+          <a:prstGeom prst="rect">
+            <a:avLst/>
+          </a:prstGeom>
+          <a:noFill/>
+        </p:spPr>
+        <p:txBody>
+          <a:bodyPr wrap="square" rtlCol="0">
+            <a:spAutoFit/>
+          </a:bodyPr>
+          <a:lstStyle/>
+          <a:p>
+            <a:pPr algn="ctr"/>
+            <a:r>
+              <a:rPr lang="en-US" dirty="0"/>
+              <a:t>wA1</a:t>
+            </a:r>
+          </a:p>
+        </p:txBody>
+      </p:sp>
+      <p:sp>
+        <p:nvSpPr>
+          <p:cNvPr id="68" name="TextBox 67">
+            <a:extLst>
+              <a:ext uri="{FF2B5EF4-FFF2-40B4-BE49-F238E27FC236}">
+                <a16:creationId xmlns:a16="http://schemas.microsoft.com/office/drawing/2014/main" id="{B9F03357-D671-4BCB-0442-770031CBFDE4}"/>
+              </a:ext>
+            </a:extLst>
+          </p:cNvPr>
+          <p:cNvSpPr txBox="1"/>
+          <p:nvPr/>
+        </p:nvSpPr>
+        <p:spPr>
+          <a:xfrm>
+            <a:off x="5586248" y="4752302"/>
+            <a:ext cx="1026234" cy="369332"/>
+          </a:xfrm>
+          <a:prstGeom prst="rect">
+            <a:avLst/>
+          </a:prstGeom>
+          <a:noFill/>
+        </p:spPr>
+        <p:txBody>
+          <a:bodyPr wrap="square" rtlCol="0">
+            <a:spAutoFit/>
+          </a:bodyPr>
+          <a:lstStyle/>
+          <a:p>
+            <a:pPr algn="ctr"/>
+            <a:r>
+              <a:rPr lang="en-US" dirty="0"/>
+              <a:t>wA1</a:t>
+            </a:r>
+          </a:p>
+        </p:txBody>
+      </p:sp>
+      <p:sp>
+        <p:nvSpPr>
+          <p:cNvPr id="69" name="TextBox 68">
+            <a:extLst>
+              <a:ext uri="{FF2B5EF4-FFF2-40B4-BE49-F238E27FC236}">
+                <a16:creationId xmlns:a16="http://schemas.microsoft.com/office/drawing/2014/main" id="{6817FD73-4BE3-9EEF-432F-2E968DE26F13}"/>
+              </a:ext>
+            </a:extLst>
+          </p:cNvPr>
+          <p:cNvSpPr txBox="1"/>
+          <p:nvPr/>
+        </p:nvSpPr>
+        <p:spPr>
+          <a:xfrm>
+            <a:off x="5033109" y="5786911"/>
+            <a:ext cx="1026234" cy="369332"/>
+          </a:xfrm>
+          <a:prstGeom prst="rect">
+            <a:avLst/>
+          </a:prstGeom>
+          <a:noFill/>
+        </p:spPr>
+        <p:txBody>
+          <a:bodyPr wrap="square" rtlCol="0">
+            <a:spAutoFit/>
+          </a:bodyPr>
+          <a:lstStyle/>
+          <a:p>
+            <a:pPr algn="ctr"/>
+            <a:r>
+              <a:rPr lang="en-US" dirty="0"/>
+              <a:t>wA1</a:t>
+            </a:r>
+          </a:p>
+        </p:txBody>
+      </p:sp>
+      <p:sp>
+        <p:nvSpPr>
+          <p:cNvPr id="70" name="TextBox 69">
+            <a:extLst>
+              <a:ext uri="{FF2B5EF4-FFF2-40B4-BE49-F238E27FC236}">
+                <a16:creationId xmlns:a16="http://schemas.microsoft.com/office/drawing/2014/main" id="{658B3208-8759-6813-BB80-5EF0A9C3A4AA}"/>
+              </a:ext>
+            </a:extLst>
+          </p:cNvPr>
+          <p:cNvSpPr txBox="1"/>
+          <p:nvPr/>
+        </p:nvSpPr>
+        <p:spPr>
+          <a:xfrm>
+            <a:off x="7359780" y="3702879"/>
+            <a:ext cx="1026234" cy="369332"/>
+          </a:xfrm>
+          <a:prstGeom prst="rect">
+            <a:avLst/>
+          </a:prstGeom>
+          <a:noFill/>
+        </p:spPr>
+        <p:txBody>
+          <a:bodyPr wrap="square" rtlCol="0">
+            <a:spAutoFit/>
+          </a:bodyPr>
+          <a:lstStyle/>
+          <a:p>
+            <a:pPr algn="ctr"/>
+            <a:r>
+              <a:rPr lang="en-US" dirty="0"/>
+              <a:t>wA1</a:t>
+            </a:r>
+          </a:p>
+        </p:txBody>
+      </p:sp>
+      <p:sp>
+        <p:nvSpPr>
+          <p:cNvPr id="71" name="TextBox 70">
+            <a:extLst>
+              <a:ext uri="{FF2B5EF4-FFF2-40B4-BE49-F238E27FC236}">
+                <a16:creationId xmlns:a16="http://schemas.microsoft.com/office/drawing/2014/main" id="{A8B3BFAA-5CCA-61DD-C2FD-B0D371B78AD4}"/>
+              </a:ext>
+            </a:extLst>
+          </p:cNvPr>
+          <p:cNvSpPr txBox="1"/>
+          <p:nvPr/>
+        </p:nvSpPr>
+        <p:spPr>
+          <a:xfrm>
+            <a:off x="6764916" y="4776389"/>
+            <a:ext cx="1026234" cy="369332"/>
+          </a:xfrm>
+          <a:prstGeom prst="rect">
+            <a:avLst/>
+          </a:prstGeom>
+          <a:noFill/>
+        </p:spPr>
+        <p:txBody>
+          <a:bodyPr wrap="square" rtlCol="0">
+            <a:spAutoFit/>
+          </a:bodyPr>
+          <a:lstStyle/>
+          <a:p>
+            <a:pPr algn="ctr"/>
+            <a:r>
+              <a:rPr lang="en-US" dirty="0"/>
+              <a:t>wA1</a:t>
+            </a:r>
+          </a:p>
+        </p:txBody>
+      </p:sp>
+      <p:sp>
+        <p:nvSpPr>
+          <p:cNvPr id="80" name="TextBox 79">
+            <a:extLst>
+              <a:ext uri="{FF2B5EF4-FFF2-40B4-BE49-F238E27FC236}">
+                <a16:creationId xmlns:a16="http://schemas.microsoft.com/office/drawing/2014/main" id="{2BC82201-EB95-591C-C9AE-FDDC90A388D6}"/>
+              </a:ext>
+            </a:extLst>
+          </p:cNvPr>
+          <p:cNvSpPr txBox="1"/>
+          <p:nvPr/>
+        </p:nvSpPr>
+        <p:spPr>
+          <a:xfrm>
+            <a:off x="6761549" y="2691024"/>
+            <a:ext cx="1026234" cy="369332"/>
+          </a:xfrm>
+          <a:prstGeom prst="rect">
+            <a:avLst/>
+          </a:prstGeom>
+          <a:noFill/>
+        </p:spPr>
+        <p:txBody>
+          <a:bodyPr wrap="square" rtlCol="0">
+            <a:spAutoFit/>
+          </a:bodyPr>
+          <a:lstStyle/>
+          <a:p>
+            <a:pPr algn="ctr"/>
+            <a:r>
+              <a:rPr lang="en-US" dirty="0"/>
+              <a:t>wA1</a:t>
+            </a:r>
+          </a:p>
+        </p:txBody>
+      </p:sp>
+      <p:sp>
+        <p:nvSpPr>
+          <p:cNvPr id="81" name="TextBox 80">
+            <a:extLst>
+              <a:ext uri="{FF2B5EF4-FFF2-40B4-BE49-F238E27FC236}">
+                <a16:creationId xmlns:a16="http://schemas.microsoft.com/office/drawing/2014/main" id="{5E28C87E-C84B-B496-7877-518A512C96B9}"/>
+              </a:ext>
+            </a:extLst>
+          </p:cNvPr>
+          <p:cNvSpPr txBox="1"/>
+          <p:nvPr/>
+        </p:nvSpPr>
+        <p:spPr>
+          <a:xfrm>
+            <a:off x="5012147" y="1568811"/>
+            <a:ext cx="1026234" cy="369332"/>
+          </a:xfrm>
+          <a:prstGeom prst="rect">
+            <a:avLst/>
+          </a:prstGeom>
+          <a:noFill/>
+        </p:spPr>
+        <p:txBody>
+          <a:bodyPr wrap="square" rtlCol="0">
+            <a:spAutoFit/>
+          </a:bodyPr>
+          <a:lstStyle/>
+          <a:p>
+            <a:pPr algn="ctr"/>
+            <a:r>
+              <a:rPr lang="en-US" dirty="0"/>
+              <a:t>wA1</a:t>
+            </a:r>
+          </a:p>
+        </p:txBody>
+      </p:sp>
     </p:spTree>
     <p:extLst>
       <p:ext uri="{BB962C8B-B14F-4D97-AF65-F5344CB8AC3E}">
@@ -18509,7 +18905,7 @@
         </p:nvSpPr>
         <p:spPr>
           <a:xfrm>
-            <a:off x="5017275" y="2665699"/>
+            <a:off x="4408900" y="3775803"/>
             <a:ext cx="1026234" cy="369332"/>
           </a:xfrm>
           <a:prstGeom prst="rect">
@@ -18527,6 +18923,114 @@
             <a:r>
               <a:rPr lang="en-US" dirty="0"/>
               <a:t>bB1</a:t>
+            </a:r>
+          </a:p>
+        </p:txBody>
+      </p:sp>
+      <p:sp>
+        <p:nvSpPr>
+          <p:cNvPr id="37" name="TextBox 36">
+            <a:extLst>
+              <a:ext uri="{FF2B5EF4-FFF2-40B4-BE49-F238E27FC236}">
+                <a16:creationId xmlns:a16="http://schemas.microsoft.com/office/drawing/2014/main" id="{07AF3F65-4E0B-C5E3-57E1-87FBF06D9625}"/>
+              </a:ext>
+            </a:extLst>
+          </p:cNvPr>
+          <p:cNvSpPr txBox="1"/>
+          <p:nvPr/>
+        </p:nvSpPr>
+        <p:spPr>
+          <a:xfrm>
+            <a:off x="3971616" y="4918389"/>
+            <a:ext cx="1026234" cy="369332"/>
+          </a:xfrm>
+          <a:prstGeom prst="rect">
+            <a:avLst/>
+          </a:prstGeom>
+          <a:noFill/>
+        </p:spPr>
+        <p:txBody>
+          <a:bodyPr wrap="square" rtlCol="0">
+            <a:spAutoFit/>
+          </a:bodyPr>
+          <a:lstStyle/>
+          <a:p>
+            <a:pPr algn="ctr"/>
+            <a:r>
+              <a:rPr lang="en-US" dirty="0"/>
+              <a:t>wA1</a:t>
+            </a:r>
+          </a:p>
+        </p:txBody>
+      </p:sp>
+      <p:sp>
+        <p:nvSpPr>
+          <p:cNvPr id="38" name="TextBox 37">
+            <a:extLst>
+              <a:ext uri="{FF2B5EF4-FFF2-40B4-BE49-F238E27FC236}">
+                <a16:creationId xmlns:a16="http://schemas.microsoft.com/office/drawing/2014/main" id="{F5084D41-4A53-AB08-14CE-2D3E193206B1}"/>
+              </a:ext>
+            </a:extLst>
+          </p:cNvPr>
+          <p:cNvSpPr txBox="1"/>
+          <p:nvPr/>
+        </p:nvSpPr>
+        <p:spPr>
+          <a:xfrm>
+            <a:off x="4124016" y="5070789"/>
+            <a:ext cx="1026234" cy="369332"/>
+          </a:xfrm>
+          <a:prstGeom prst="rect">
+            <a:avLst/>
+          </a:prstGeom>
+          <a:noFill/>
+        </p:spPr>
+        <p:txBody>
+          <a:bodyPr wrap="square" rtlCol="0">
+            <a:spAutoFit/>
+          </a:bodyPr>
+          <a:lstStyle/>
+          <a:p>
+            <a:pPr algn="ctr"/>
+            <a:r>
+              <a:rPr lang="en-US" dirty="0"/>
+              <a:t>wA1</a:t>
+            </a:r>
+          </a:p>
+        </p:txBody>
+      </p:sp>
+      <p:sp>
+        <p:nvSpPr>
+          <p:cNvPr id="39" name="TextBox 38">
+            <a:extLst>
+              <a:ext uri="{FF2B5EF4-FFF2-40B4-BE49-F238E27FC236}">
+                <a16:creationId xmlns:a16="http://schemas.microsoft.com/office/drawing/2014/main" id="{E16082BE-41CA-0730-7996-5AD6C55213F7}"/>
+              </a:ext>
+            </a:extLst>
+          </p:cNvPr>
+          <p:cNvSpPr txBox="1"/>
+          <p:nvPr/>
+        </p:nvSpPr>
+        <p:spPr>
+          <a:xfrm>
+            <a:off x="2616682" y="2745775"/>
+            <a:ext cx="1026234" cy="369332"/>
+          </a:xfrm>
+          <a:prstGeom prst="rect">
+            <a:avLst/>
+          </a:prstGeom>
+          <a:noFill/>
+        </p:spPr>
+        <p:txBody>
+          <a:bodyPr wrap="square" rtlCol="0">
+            <a:spAutoFit/>
+          </a:bodyPr>
+          <a:lstStyle/>
+          <a:p>
+            <a:pPr algn="ctr"/>
+            <a:r>
+              <a:rPr lang="en-US" dirty="0"/>
+              <a:t>wA1</a:t>
             </a:r>
           </a:p>
         </p:txBody>
